--- a/Quản trị người dùng sử dụng trang website, quản trị đơn hàng.pptx
+++ b/Quản trị người dùng sử dụng trang website, quản trị đơn hàng.pptx
@@ -8,18 +8,19 @@
     <p:sldId id="256" r:id="rId2"/>
     <p:sldId id="257" r:id="rId3"/>
     <p:sldId id="258" r:id="rId4"/>
-    <p:sldId id="259" r:id="rId5"/>
-    <p:sldId id="260" r:id="rId6"/>
-    <p:sldId id="261" r:id="rId7"/>
-    <p:sldId id="262" r:id="rId8"/>
-    <p:sldId id="263" r:id="rId9"/>
-    <p:sldId id="264" r:id="rId10"/>
-    <p:sldId id="265" r:id="rId11"/>
-    <p:sldId id="266" r:id="rId12"/>
-    <p:sldId id="267" r:id="rId13"/>
-    <p:sldId id="268" r:id="rId14"/>
-    <p:sldId id="269" r:id="rId15"/>
-    <p:sldId id="270" r:id="rId16"/>
+    <p:sldId id="271" r:id="rId5"/>
+    <p:sldId id="259" r:id="rId6"/>
+    <p:sldId id="260" r:id="rId7"/>
+    <p:sldId id="261" r:id="rId8"/>
+    <p:sldId id="262" r:id="rId9"/>
+    <p:sldId id="263" r:id="rId10"/>
+    <p:sldId id="264" r:id="rId11"/>
+    <p:sldId id="265" r:id="rId12"/>
+    <p:sldId id="266" r:id="rId13"/>
+    <p:sldId id="267" r:id="rId14"/>
+    <p:sldId id="268" r:id="rId15"/>
+    <p:sldId id="269" r:id="rId16"/>
+    <p:sldId id="270" r:id="rId17"/>
   </p:sldIdLst>
   <p:sldSz cx="12192000" cy="6858000"/>
   <p:notesSz cx="6858000" cy="9144000"/>
@@ -3436,7 +3437,7 @@
           <p:cNvPr id="2" name="Title 1">
             <a:extLst>
               <a:ext uri="{FF2B5EF4-FFF2-40B4-BE49-F238E27FC236}">
-                <a16:creationId xmlns:a16="http://schemas.microsoft.com/office/drawing/2014/main" id="{E1F63504-3102-483D-992D-5B8FB9C712C2}"/>
+                <a16:creationId xmlns:a16="http://schemas.microsoft.com/office/drawing/2014/main" id="{8EE15EC1-2FDB-49A9-8433-9C232CD05CB2}"/>
               </a:ext>
             </a:extLst>
           </p:cNvPr>
@@ -3461,7 +3462,7 @@
           <p:cNvPr id="3" name="Content Placeholder 2">
             <a:extLst>
               <a:ext uri="{FF2B5EF4-FFF2-40B4-BE49-F238E27FC236}">
-                <a16:creationId xmlns:a16="http://schemas.microsoft.com/office/drawing/2014/main" id="{80E76D36-CA88-4A95-A479-A80AD874A1A1}"/>
+                <a16:creationId xmlns:a16="http://schemas.microsoft.com/office/drawing/2014/main" id="{428A3817-CE23-4977-B552-03BDB9EDB046}"/>
               </a:ext>
             </a:extLst>
           </p:cNvPr>
@@ -3484,7 +3485,7 @@
     </p:spTree>
     <p:extLst>
       <p:ext uri="{BB962C8B-B14F-4D97-AF65-F5344CB8AC3E}">
-        <p14:creationId xmlns:p14="http://schemas.microsoft.com/office/powerpoint/2010/main" val="744955077"/>
+        <p14:creationId xmlns:p14="http://schemas.microsoft.com/office/powerpoint/2010/main" val="1972832352"/>
       </p:ext>
     </p:extLst>
   </p:cSld>
@@ -3516,7 +3517,7 @@
           <p:cNvPr id="2" name="Title 1">
             <a:extLst>
               <a:ext uri="{FF2B5EF4-FFF2-40B4-BE49-F238E27FC236}">
-                <a16:creationId xmlns:a16="http://schemas.microsoft.com/office/drawing/2014/main" id="{59553D8D-47A5-4D30-9931-D40FEC2E8FB6}"/>
+                <a16:creationId xmlns:a16="http://schemas.microsoft.com/office/drawing/2014/main" id="{E1F63504-3102-483D-992D-5B8FB9C712C2}"/>
               </a:ext>
             </a:extLst>
           </p:cNvPr>
@@ -3541,7 +3542,7 @@
           <p:cNvPr id="3" name="Content Placeholder 2">
             <a:extLst>
               <a:ext uri="{FF2B5EF4-FFF2-40B4-BE49-F238E27FC236}">
-                <a16:creationId xmlns:a16="http://schemas.microsoft.com/office/drawing/2014/main" id="{8DE89F95-3D4C-4620-8D0C-31D68568781C}"/>
+                <a16:creationId xmlns:a16="http://schemas.microsoft.com/office/drawing/2014/main" id="{80E76D36-CA88-4A95-A479-A80AD874A1A1}"/>
               </a:ext>
             </a:extLst>
           </p:cNvPr>
@@ -3564,7 +3565,7 @@
     </p:spTree>
     <p:extLst>
       <p:ext uri="{BB962C8B-B14F-4D97-AF65-F5344CB8AC3E}">
-        <p14:creationId xmlns:p14="http://schemas.microsoft.com/office/powerpoint/2010/main" val="663835660"/>
+        <p14:creationId xmlns:p14="http://schemas.microsoft.com/office/powerpoint/2010/main" val="744955077"/>
       </p:ext>
     </p:extLst>
   </p:cSld>
@@ -3596,7 +3597,7 @@
           <p:cNvPr id="2" name="Title 1">
             <a:extLst>
               <a:ext uri="{FF2B5EF4-FFF2-40B4-BE49-F238E27FC236}">
-                <a16:creationId xmlns:a16="http://schemas.microsoft.com/office/drawing/2014/main" id="{58942A5C-71E6-4D44-9849-071369DE2D03}"/>
+                <a16:creationId xmlns:a16="http://schemas.microsoft.com/office/drawing/2014/main" id="{59553D8D-47A5-4D30-9931-D40FEC2E8FB6}"/>
               </a:ext>
             </a:extLst>
           </p:cNvPr>
@@ -3621,7 +3622,7 @@
           <p:cNvPr id="3" name="Content Placeholder 2">
             <a:extLst>
               <a:ext uri="{FF2B5EF4-FFF2-40B4-BE49-F238E27FC236}">
-                <a16:creationId xmlns:a16="http://schemas.microsoft.com/office/drawing/2014/main" id="{1E9BE06B-4DC6-4ECD-8B1D-7AE8DF17DC40}"/>
+                <a16:creationId xmlns:a16="http://schemas.microsoft.com/office/drawing/2014/main" id="{8DE89F95-3D4C-4620-8D0C-31D68568781C}"/>
               </a:ext>
             </a:extLst>
           </p:cNvPr>
@@ -3644,7 +3645,7 @@
     </p:spTree>
     <p:extLst>
       <p:ext uri="{BB962C8B-B14F-4D97-AF65-F5344CB8AC3E}">
-        <p14:creationId xmlns:p14="http://schemas.microsoft.com/office/powerpoint/2010/main" val="3031962348"/>
+        <p14:creationId xmlns:p14="http://schemas.microsoft.com/office/powerpoint/2010/main" val="663835660"/>
       </p:ext>
     </p:extLst>
   </p:cSld>
@@ -3676,7 +3677,7 @@
           <p:cNvPr id="2" name="Title 1">
             <a:extLst>
               <a:ext uri="{FF2B5EF4-FFF2-40B4-BE49-F238E27FC236}">
-                <a16:creationId xmlns:a16="http://schemas.microsoft.com/office/drawing/2014/main" id="{8523F67D-0BD7-4E75-B5FD-37EF9773C17B}"/>
+                <a16:creationId xmlns:a16="http://schemas.microsoft.com/office/drawing/2014/main" id="{58942A5C-71E6-4D44-9849-071369DE2D03}"/>
               </a:ext>
             </a:extLst>
           </p:cNvPr>
@@ -3701,7 +3702,7 @@
           <p:cNvPr id="3" name="Content Placeholder 2">
             <a:extLst>
               <a:ext uri="{FF2B5EF4-FFF2-40B4-BE49-F238E27FC236}">
-                <a16:creationId xmlns:a16="http://schemas.microsoft.com/office/drawing/2014/main" id="{B895DE13-1ACD-42C1-936A-CE2D826F3751}"/>
+                <a16:creationId xmlns:a16="http://schemas.microsoft.com/office/drawing/2014/main" id="{1E9BE06B-4DC6-4ECD-8B1D-7AE8DF17DC40}"/>
               </a:ext>
             </a:extLst>
           </p:cNvPr>
@@ -3724,7 +3725,7 @@
     </p:spTree>
     <p:extLst>
       <p:ext uri="{BB962C8B-B14F-4D97-AF65-F5344CB8AC3E}">
-        <p14:creationId xmlns:p14="http://schemas.microsoft.com/office/powerpoint/2010/main" val="843047521"/>
+        <p14:creationId xmlns:p14="http://schemas.microsoft.com/office/powerpoint/2010/main" val="3031962348"/>
       </p:ext>
     </p:extLst>
   </p:cSld>
@@ -3756,6 +3757,86 @@
           <p:cNvPr id="2" name="Title 1">
             <a:extLst>
               <a:ext uri="{FF2B5EF4-FFF2-40B4-BE49-F238E27FC236}">
+                <a16:creationId xmlns:a16="http://schemas.microsoft.com/office/drawing/2014/main" id="{8523F67D-0BD7-4E75-B5FD-37EF9773C17B}"/>
+              </a:ext>
+            </a:extLst>
+          </p:cNvPr>
+          <p:cNvSpPr>
+            <a:spLocks noGrp="1"/>
+          </p:cNvSpPr>
+          <p:nvPr>
+            <p:ph type="title"/>
+          </p:nvPr>
+        </p:nvSpPr>
+        <p:spPr/>
+        <p:txBody>
+          <a:bodyPr/>
+          <a:lstStyle/>
+          <a:p>
+            <a:endParaRPr lang="en-US"/>
+          </a:p>
+        </p:txBody>
+      </p:sp>
+      <p:sp>
+        <p:nvSpPr>
+          <p:cNvPr id="3" name="Content Placeholder 2">
+            <a:extLst>
+              <a:ext uri="{FF2B5EF4-FFF2-40B4-BE49-F238E27FC236}">
+                <a16:creationId xmlns:a16="http://schemas.microsoft.com/office/drawing/2014/main" id="{B895DE13-1ACD-42C1-936A-CE2D826F3751}"/>
+              </a:ext>
+            </a:extLst>
+          </p:cNvPr>
+          <p:cNvSpPr>
+            <a:spLocks noGrp="1"/>
+          </p:cNvSpPr>
+          <p:nvPr>
+            <p:ph idx="1"/>
+          </p:nvPr>
+        </p:nvSpPr>
+        <p:spPr/>
+        <p:txBody>
+          <a:bodyPr/>
+          <a:lstStyle/>
+          <a:p>
+            <a:endParaRPr lang="en-US"/>
+          </a:p>
+        </p:txBody>
+      </p:sp>
+    </p:spTree>
+    <p:extLst>
+      <p:ext uri="{BB962C8B-B14F-4D97-AF65-F5344CB8AC3E}">
+        <p14:creationId xmlns:p14="http://schemas.microsoft.com/office/powerpoint/2010/main" val="843047521"/>
+      </p:ext>
+    </p:extLst>
+  </p:cSld>
+  <p:clrMapOvr>
+    <a:masterClrMapping/>
+  </p:clrMapOvr>
+</p:sld>
+</file>
+
+<file path=ppt/slides/slide15.xml><?xml version="1.0" encoding="utf-8"?>
+<p:sld xmlns:a="http://schemas.openxmlformats.org/drawingml/2006/main" xmlns:r="http://schemas.openxmlformats.org/officeDocument/2006/relationships" xmlns:p="http://schemas.openxmlformats.org/presentationml/2006/main">
+  <p:cSld>
+    <p:spTree>
+      <p:nvGrpSpPr>
+        <p:cNvPr id="1" name=""/>
+        <p:cNvGrpSpPr/>
+        <p:nvPr/>
+      </p:nvGrpSpPr>
+      <p:grpSpPr>
+        <a:xfrm>
+          <a:off x="0" y="0"/>
+          <a:ext cx="0" cy="0"/>
+          <a:chOff x="0" y="0"/>
+          <a:chExt cx="0" cy="0"/>
+        </a:xfrm>
+      </p:grpSpPr>
+      <p:sp>
+        <p:nvSpPr>
+          <p:cNvPr id="2" name="Title 1">
+            <a:extLst>
+              <a:ext uri="{FF2B5EF4-FFF2-40B4-BE49-F238E27FC236}">
                 <a16:creationId xmlns:a16="http://schemas.microsoft.com/office/drawing/2014/main" id="{20B2CEA8-3587-40FF-A78A-8196068BFD36}"/>
               </a:ext>
             </a:extLst>
@@ -3814,7 +3895,7 @@
 </p:sld>
 </file>
 
-<file path=ppt/slides/slide15.xml><?xml version="1.0" encoding="utf-8"?>
+<file path=ppt/slides/slide16.xml><?xml version="1.0" encoding="utf-8"?>
 <p:sld xmlns:a="http://schemas.openxmlformats.org/drawingml/2006/main" xmlns:r="http://schemas.openxmlformats.org/officeDocument/2006/relationships" xmlns:p="http://schemas.openxmlformats.org/presentationml/2006/main">
   <p:cSld>
     <p:spTree>
@@ -4317,13 +4398,7 @@
       </p:grpSpPr>
       <p:sp>
         <p:nvSpPr>
-          <p:cNvPr id="2" name="Title 1">
-            <a:extLst>
-              <a:ext uri="{FF2B5EF4-FFF2-40B4-BE49-F238E27FC236}">
-                <a16:creationId xmlns:a16="http://schemas.microsoft.com/office/drawing/2014/main" id="{C1F23CDA-00C4-40AD-A72F-73ED67F0CEA7}"/>
-              </a:ext>
-            </a:extLst>
-          </p:cNvPr>
+          <p:cNvPr id="2" name="Title 1"/>
           <p:cNvSpPr>
             <a:spLocks noGrp="1"/>
           </p:cNvSpPr>
@@ -4331,24 +4406,41 @@
             <p:ph type="title"/>
           </p:nvPr>
         </p:nvSpPr>
-        <p:spPr/>
-        <p:txBody>
-          <a:bodyPr/>
-          <a:lstStyle/>
-          <a:p>
-            <a:endParaRPr lang="en-US"/>
-          </a:p>
-        </p:txBody>
-      </p:sp>
-      <p:sp>
-        <p:nvSpPr>
-          <p:cNvPr id="3" name="Content Placeholder 2">
-            <a:extLst>
-              <a:ext uri="{FF2B5EF4-FFF2-40B4-BE49-F238E27FC236}">
-                <a16:creationId xmlns:a16="http://schemas.microsoft.com/office/drawing/2014/main" id="{8B91F490-DA65-4D50-9E0B-215BC4651B91}"/>
-              </a:ext>
-            </a:extLst>
-          </p:cNvPr>
+        <p:spPr>
+          <a:xfrm>
+            <a:off x="0" y="0"/>
+            <a:ext cx="5240215" cy="677008"/>
+          </a:xfrm>
+        </p:spPr>
+        <p:txBody>
+          <a:bodyPr>
+            <a:normAutofit fontScale="90000"/>
+          </a:bodyPr>
+          <a:lstStyle/>
+          <a:p>
+            <a:r>
+              <a:rPr lang="en-US" dirty="0" err="1" smtClean="0"/>
+              <a:t>Phân</a:t>
+            </a:r>
+            <a:r>
+              <a:rPr lang="en-US" dirty="0" smtClean="0"/>
+              <a:t> </a:t>
+            </a:r>
+            <a:r>
+              <a:rPr lang="en-US" dirty="0" err="1" smtClean="0"/>
+              <a:t>quyền</a:t>
+            </a:r>
+            <a:r>
+              <a:rPr lang="en-US" dirty="0" smtClean="0"/>
+              <a:t> User.</a:t>
+            </a:r>
+            <a:endParaRPr lang="en-US" dirty="0"/>
+          </a:p>
+        </p:txBody>
+      </p:sp>
+      <p:sp>
+        <p:nvSpPr>
+          <p:cNvPr id="5" name="Content Placeholder 4"/>
           <p:cNvSpPr>
             <a:spLocks noGrp="1"/>
           </p:cNvSpPr>
@@ -4356,19 +4448,27 @@
             <p:ph idx="1"/>
           </p:nvPr>
         </p:nvSpPr>
-        <p:spPr/>
-        <p:txBody>
-          <a:bodyPr/>
-          <a:lstStyle/>
-          <a:p>
-            <a:endParaRPr lang="en-US"/>
+        <p:spPr>
+          <a:xfrm>
+            <a:off x="231531" y="1218956"/>
+            <a:ext cx="10515600" cy="812067"/>
+          </a:xfrm>
+        </p:spPr>
+        <p:txBody>
+          <a:bodyPr/>
+          <a:lstStyle/>
+          <a:p>
+            <a:r>
+              <a:rPr lang="en-US" dirty="0"/>
+              <a:t>https://www.youtube.com/watch?v=1J7qFaZyC14</a:t>
+            </a:r>
           </a:p>
         </p:txBody>
       </p:sp>
     </p:spTree>
     <p:extLst>
       <p:ext uri="{BB962C8B-B14F-4D97-AF65-F5344CB8AC3E}">
-        <p14:creationId xmlns:p14="http://schemas.microsoft.com/office/powerpoint/2010/main" val="1281216168"/>
+        <p14:creationId xmlns:p14="http://schemas.microsoft.com/office/powerpoint/2010/main" val="2374797111"/>
       </p:ext>
     </p:extLst>
   </p:cSld>
@@ -4395,60 +4495,185 @@
           <a:chExt cx="0" cy="0"/>
         </a:xfrm>
       </p:grpSpPr>
-      <p:sp>
-        <p:nvSpPr>
-          <p:cNvPr id="2" name="Title 1">
-            <a:extLst>
-              <a:ext uri="{FF2B5EF4-FFF2-40B4-BE49-F238E27FC236}">
-                <a16:creationId xmlns:a16="http://schemas.microsoft.com/office/drawing/2014/main" id="{E3FF7D9F-460A-4808-8C5B-0424A47027E0}"/>
-              </a:ext>
-            </a:extLst>
-          </p:cNvPr>
-          <p:cNvSpPr>
-            <a:spLocks noGrp="1"/>
-          </p:cNvSpPr>
-          <p:nvPr>
-            <p:ph type="title"/>
-          </p:nvPr>
-        </p:nvSpPr>
-        <p:spPr/>
-        <p:txBody>
-          <a:bodyPr/>
-          <a:lstStyle/>
-          <a:p>
-            <a:endParaRPr lang="en-US"/>
-          </a:p>
-        </p:txBody>
-      </p:sp>
-      <p:sp>
-        <p:nvSpPr>
-          <p:cNvPr id="3" name="Content Placeholder 2">
-            <a:extLst>
-              <a:ext uri="{FF2B5EF4-FFF2-40B4-BE49-F238E27FC236}">
-                <a16:creationId xmlns:a16="http://schemas.microsoft.com/office/drawing/2014/main" id="{D6FCE3E6-9654-4CBF-A317-317C3690405B}"/>
-              </a:ext>
-            </a:extLst>
-          </p:cNvPr>
-          <p:cNvSpPr>
-            <a:spLocks noGrp="1"/>
-          </p:cNvSpPr>
+      <p:pic>
+        <p:nvPicPr>
+          <p:cNvPr id="4" name="Picture 3"/>
+          <p:cNvPicPr>
+            <a:picLocks noChangeAspect="1"/>
+          </p:cNvPicPr>
+          <p:nvPr/>
+        </p:nvPicPr>
+        <p:blipFill>
+          <a:blip r:embed="rId2"/>
+          <a:stretch>
+            <a:fillRect/>
+          </a:stretch>
+        </p:blipFill>
+        <p:spPr>
+          <a:xfrm>
+            <a:off x="529299" y="2438035"/>
+            <a:ext cx="2440740" cy="2459280"/>
+          </a:xfrm>
+          <a:prstGeom prst="rect">
+            <a:avLst/>
+          </a:prstGeom>
+        </p:spPr>
+      </p:pic>
+      <p:sp>
+        <p:nvSpPr>
+          <p:cNvPr id="5" name="TextBox 4"/>
+          <p:cNvSpPr txBox="1"/>
+          <p:nvPr/>
+        </p:nvSpPr>
+        <p:spPr>
+          <a:xfrm>
+            <a:off x="685799" y="1863969"/>
+            <a:ext cx="2004645" cy="369332"/>
+          </a:xfrm>
+          <a:prstGeom prst="rect">
+            <a:avLst/>
+          </a:prstGeom>
+          <a:noFill/>
+        </p:spPr>
+        <p:txBody>
+          <a:bodyPr wrap="square" rtlCol="0">
+            <a:spAutoFit/>
+          </a:bodyPr>
+          <a:lstStyle/>
+          <a:p>
+            <a:r>
+              <a:rPr lang="en-US" dirty="0" err="1" smtClean="0"/>
+              <a:t>Vai</a:t>
+            </a:r>
+            <a:r>
+              <a:rPr lang="en-US" dirty="0" smtClean="0"/>
+              <a:t> </a:t>
+            </a:r>
+            <a:r>
+              <a:rPr lang="en-US" dirty="0" err="1" smtClean="0"/>
+              <a:t>trò</a:t>
+            </a:r>
+            <a:r>
+              <a:rPr lang="en-US" dirty="0" smtClean="0"/>
+              <a:t> </a:t>
+            </a:r>
+            <a:r>
+              <a:rPr lang="en-US" dirty="0" err="1" smtClean="0"/>
+              <a:t>của</a:t>
+            </a:r>
+            <a:r>
+              <a:rPr lang="en-US" dirty="0" smtClean="0"/>
+              <a:t> User.</a:t>
+            </a:r>
+            <a:endParaRPr lang="en-US" dirty="0"/>
+          </a:p>
+        </p:txBody>
+      </p:sp>
+      <p:pic>
+        <p:nvPicPr>
+          <p:cNvPr id="8" name="Content Placeholder 3"/>
+          <p:cNvPicPr>
+            <a:picLocks noGrp="1" noChangeAspect="1"/>
+          </p:cNvPicPr>
           <p:nvPr>
             <p:ph idx="1"/>
           </p:nvPr>
-        </p:nvSpPr>
-        <p:spPr/>
-        <p:txBody>
-          <a:bodyPr/>
-          <a:lstStyle/>
-          <a:p>
-            <a:endParaRPr lang="en-US"/>
+        </p:nvPicPr>
+        <p:blipFill>
+          <a:blip r:embed="rId3"/>
+          <a:stretch>
+            <a:fillRect/>
+          </a:stretch>
+        </p:blipFill>
+        <p:spPr>
+          <a:xfrm>
+            <a:off x="4963780" y="1036432"/>
+            <a:ext cx="6984966" cy="4686954"/>
+          </a:xfrm>
+          <a:prstGeom prst="rect">
+            <a:avLst/>
+          </a:prstGeom>
+        </p:spPr>
+      </p:pic>
+      <p:cxnSp>
+        <p:nvCxnSpPr>
+          <p:cNvPr id="10" name="Straight Arrow Connector 9"/>
+          <p:cNvCxnSpPr/>
+          <p:nvPr/>
+        </p:nvCxnSpPr>
+        <p:spPr>
+          <a:xfrm>
+            <a:off x="1415562" y="4739054"/>
+            <a:ext cx="5934807" cy="342927"/>
+          </a:xfrm>
+          <a:prstGeom prst="straightConnector1">
+            <a:avLst/>
+          </a:prstGeom>
+          <a:ln>
+            <a:tailEnd type="triangle"/>
+          </a:ln>
+        </p:spPr>
+        <p:style>
+          <a:lnRef idx="1">
+            <a:schemeClr val="accent2"/>
+          </a:lnRef>
+          <a:fillRef idx="0">
+            <a:schemeClr val="accent2"/>
+          </a:fillRef>
+          <a:effectRef idx="0">
+            <a:schemeClr val="accent2"/>
+          </a:effectRef>
+          <a:fontRef idx="minor">
+            <a:schemeClr val="tx1"/>
+          </a:fontRef>
+        </p:style>
+      </p:cxnSp>
+      <p:sp>
+        <p:nvSpPr>
+          <p:cNvPr id="11" name="TextBox 10"/>
+          <p:cNvSpPr txBox="1"/>
+          <p:nvPr/>
+        </p:nvSpPr>
+        <p:spPr>
+          <a:xfrm>
+            <a:off x="7290758" y="4897315"/>
+            <a:ext cx="1165505" cy="369332"/>
+          </a:xfrm>
+          <a:prstGeom prst="rect">
+            <a:avLst/>
+          </a:prstGeom>
+          <a:noFill/>
+        </p:spPr>
+        <p:txBody>
+          <a:bodyPr wrap="square" rtlCol="0">
+            <a:spAutoFit/>
+          </a:bodyPr>
+          <a:lstStyle/>
+          <a:p>
+            <a:r>
+              <a:rPr lang="en-US" dirty="0" err="1" smtClean="0"/>
+              <a:t>Quản</a:t>
+            </a:r>
+            <a:r>
+              <a:rPr lang="en-US" dirty="0" smtClean="0"/>
+              <a:t> </a:t>
+            </a:r>
+            <a:r>
+              <a:rPr lang="en-US" dirty="0" err="1" smtClean="0"/>
+              <a:t>lý</a:t>
+            </a:r>
+            <a:r>
+              <a:rPr lang="en-US" dirty="0" smtClean="0"/>
+              <a:t>.</a:t>
+            </a:r>
+            <a:endParaRPr lang="en-US" dirty="0"/>
           </a:p>
         </p:txBody>
       </p:sp>
     </p:spTree>
     <p:extLst>
       <p:ext uri="{BB962C8B-B14F-4D97-AF65-F5344CB8AC3E}">
-        <p14:creationId xmlns:p14="http://schemas.microsoft.com/office/powerpoint/2010/main" val="1400290103"/>
+        <p14:creationId xmlns:p14="http://schemas.microsoft.com/office/powerpoint/2010/main" val="1281216168"/>
       </p:ext>
     </p:extLst>
   </p:cSld>
@@ -4480,7 +4705,7 @@
           <p:cNvPr id="2" name="Title 1">
             <a:extLst>
               <a:ext uri="{FF2B5EF4-FFF2-40B4-BE49-F238E27FC236}">
-                <a16:creationId xmlns:a16="http://schemas.microsoft.com/office/drawing/2014/main" id="{1AA24F30-8BD2-47BF-8A97-F61A0F36E222}"/>
+                <a16:creationId xmlns:a16="http://schemas.microsoft.com/office/drawing/2014/main" id="{E3FF7D9F-460A-4808-8C5B-0424A47027E0}"/>
               </a:ext>
             </a:extLst>
           </p:cNvPr>
@@ -4505,7 +4730,7 @@
           <p:cNvPr id="3" name="Content Placeholder 2">
             <a:extLst>
               <a:ext uri="{FF2B5EF4-FFF2-40B4-BE49-F238E27FC236}">
-                <a16:creationId xmlns:a16="http://schemas.microsoft.com/office/drawing/2014/main" id="{5C63AC89-E953-4A27-A456-70612CFB9393}"/>
+                <a16:creationId xmlns:a16="http://schemas.microsoft.com/office/drawing/2014/main" id="{D6FCE3E6-9654-4CBF-A317-317C3690405B}"/>
               </a:ext>
             </a:extLst>
           </p:cNvPr>
@@ -4528,7 +4753,7 @@
     </p:spTree>
     <p:extLst>
       <p:ext uri="{BB962C8B-B14F-4D97-AF65-F5344CB8AC3E}">
-        <p14:creationId xmlns:p14="http://schemas.microsoft.com/office/powerpoint/2010/main" val="2103620129"/>
+        <p14:creationId xmlns:p14="http://schemas.microsoft.com/office/powerpoint/2010/main" val="1400290103"/>
       </p:ext>
     </p:extLst>
   </p:cSld>
@@ -4560,7 +4785,7 @@
           <p:cNvPr id="2" name="Title 1">
             <a:extLst>
               <a:ext uri="{FF2B5EF4-FFF2-40B4-BE49-F238E27FC236}">
-                <a16:creationId xmlns:a16="http://schemas.microsoft.com/office/drawing/2014/main" id="{E334DFFA-CB06-41E5-80D6-B1AF9E661D48}"/>
+                <a16:creationId xmlns:a16="http://schemas.microsoft.com/office/drawing/2014/main" id="{1AA24F30-8BD2-47BF-8A97-F61A0F36E222}"/>
               </a:ext>
             </a:extLst>
           </p:cNvPr>
@@ -4585,7 +4810,7 @@
           <p:cNvPr id="3" name="Content Placeholder 2">
             <a:extLst>
               <a:ext uri="{FF2B5EF4-FFF2-40B4-BE49-F238E27FC236}">
-                <a16:creationId xmlns:a16="http://schemas.microsoft.com/office/drawing/2014/main" id="{C97C2251-00C4-48FA-838D-EB885C55F069}"/>
+                <a16:creationId xmlns:a16="http://schemas.microsoft.com/office/drawing/2014/main" id="{5C63AC89-E953-4A27-A456-70612CFB9393}"/>
               </a:ext>
             </a:extLst>
           </p:cNvPr>
@@ -4608,7 +4833,7 @@
     </p:spTree>
     <p:extLst>
       <p:ext uri="{BB962C8B-B14F-4D97-AF65-F5344CB8AC3E}">
-        <p14:creationId xmlns:p14="http://schemas.microsoft.com/office/powerpoint/2010/main" val="1326424081"/>
+        <p14:creationId xmlns:p14="http://schemas.microsoft.com/office/powerpoint/2010/main" val="2103620129"/>
       </p:ext>
     </p:extLst>
   </p:cSld>
@@ -4640,7 +4865,7 @@
           <p:cNvPr id="2" name="Title 1">
             <a:extLst>
               <a:ext uri="{FF2B5EF4-FFF2-40B4-BE49-F238E27FC236}">
-                <a16:creationId xmlns:a16="http://schemas.microsoft.com/office/drawing/2014/main" id="{2A078604-21C7-41FD-951F-1856FE2AFED2}"/>
+                <a16:creationId xmlns:a16="http://schemas.microsoft.com/office/drawing/2014/main" id="{E334DFFA-CB06-41E5-80D6-B1AF9E661D48}"/>
               </a:ext>
             </a:extLst>
           </p:cNvPr>
@@ -4665,7 +4890,7 @@
           <p:cNvPr id="3" name="Content Placeholder 2">
             <a:extLst>
               <a:ext uri="{FF2B5EF4-FFF2-40B4-BE49-F238E27FC236}">
-                <a16:creationId xmlns:a16="http://schemas.microsoft.com/office/drawing/2014/main" id="{738CF500-4203-4F7E-9C95-A8ED6ED28B39}"/>
+                <a16:creationId xmlns:a16="http://schemas.microsoft.com/office/drawing/2014/main" id="{C97C2251-00C4-48FA-838D-EB885C55F069}"/>
               </a:ext>
             </a:extLst>
           </p:cNvPr>
@@ -4688,7 +4913,7 @@
     </p:spTree>
     <p:extLst>
       <p:ext uri="{BB962C8B-B14F-4D97-AF65-F5344CB8AC3E}">
-        <p14:creationId xmlns:p14="http://schemas.microsoft.com/office/powerpoint/2010/main" val="3461351713"/>
+        <p14:creationId xmlns:p14="http://schemas.microsoft.com/office/powerpoint/2010/main" val="1326424081"/>
       </p:ext>
     </p:extLst>
   </p:cSld>
@@ -4720,7 +4945,7 @@
           <p:cNvPr id="2" name="Title 1">
             <a:extLst>
               <a:ext uri="{FF2B5EF4-FFF2-40B4-BE49-F238E27FC236}">
-                <a16:creationId xmlns:a16="http://schemas.microsoft.com/office/drawing/2014/main" id="{8EE15EC1-2FDB-49A9-8433-9C232CD05CB2}"/>
+                <a16:creationId xmlns:a16="http://schemas.microsoft.com/office/drawing/2014/main" id="{2A078604-21C7-41FD-951F-1856FE2AFED2}"/>
               </a:ext>
             </a:extLst>
           </p:cNvPr>
@@ -4745,7 +4970,7 @@
           <p:cNvPr id="3" name="Content Placeholder 2">
             <a:extLst>
               <a:ext uri="{FF2B5EF4-FFF2-40B4-BE49-F238E27FC236}">
-                <a16:creationId xmlns:a16="http://schemas.microsoft.com/office/drawing/2014/main" id="{428A3817-CE23-4977-B552-03BDB9EDB046}"/>
+                <a16:creationId xmlns:a16="http://schemas.microsoft.com/office/drawing/2014/main" id="{738CF500-4203-4F7E-9C95-A8ED6ED28B39}"/>
               </a:ext>
             </a:extLst>
           </p:cNvPr>
@@ -4768,7 +4993,7 @@
     </p:spTree>
     <p:extLst>
       <p:ext uri="{BB962C8B-B14F-4D97-AF65-F5344CB8AC3E}">
-        <p14:creationId xmlns:p14="http://schemas.microsoft.com/office/powerpoint/2010/main" val="1972832352"/>
+        <p14:creationId xmlns:p14="http://schemas.microsoft.com/office/powerpoint/2010/main" val="3461351713"/>
       </p:ext>
     </p:extLst>
   </p:cSld>

--- a/Quản trị người dùng sử dụng trang website, quản trị đơn hàng.pptx
+++ b/Quản trị người dùng sử dụng trang website, quản trị đơn hàng.pptx
@@ -14,13 +14,21 @@
     <p:sldId id="261" r:id="rId8"/>
     <p:sldId id="262" r:id="rId9"/>
     <p:sldId id="263" r:id="rId10"/>
-    <p:sldId id="264" r:id="rId11"/>
-    <p:sldId id="265" r:id="rId12"/>
-    <p:sldId id="266" r:id="rId13"/>
-    <p:sldId id="267" r:id="rId14"/>
-    <p:sldId id="268" r:id="rId15"/>
-    <p:sldId id="269" r:id="rId16"/>
-    <p:sldId id="270" r:id="rId17"/>
+    <p:sldId id="272" r:id="rId11"/>
+    <p:sldId id="273" r:id="rId12"/>
+    <p:sldId id="274" r:id="rId13"/>
+    <p:sldId id="277" r:id="rId14"/>
+    <p:sldId id="278" r:id="rId15"/>
+    <p:sldId id="279" r:id="rId16"/>
+    <p:sldId id="275" r:id="rId17"/>
+    <p:sldId id="276" r:id="rId18"/>
+    <p:sldId id="264" r:id="rId19"/>
+    <p:sldId id="265" r:id="rId20"/>
+    <p:sldId id="266" r:id="rId21"/>
+    <p:sldId id="267" r:id="rId22"/>
+    <p:sldId id="268" r:id="rId23"/>
+    <p:sldId id="269" r:id="rId24"/>
+    <p:sldId id="270" r:id="rId25"/>
   </p:sldIdLst>
   <p:sldSz cx="12192000" cy="6858000"/>
   <p:notesSz cx="6858000" cy="9144000"/>
@@ -274,7 +282,7 @@
           <a:p>
             <a:fld id="{2DCBD7F6-55E2-42E0-A29B-00EE06C6C13E}" type="datetimeFigureOut">
               <a:rPr lang="en-US" smtClean="0"/>
-              <a:t>08/10/2024</a:t>
+              <a:t>09/10/2024</a:t>
             </a:fld>
             <a:endParaRPr lang="en-US"/>
           </a:p>
@@ -472,7 +480,7 @@
           <a:p>
             <a:fld id="{2DCBD7F6-55E2-42E0-A29B-00EE06C6C13E}" type="datetimeFigureOut">
               <a:rPr lang="en-US" smtClean="0"/>
-              <a:t>08/10/2024</a:t>
+              <a:t>09/10/2024</a:t>
             </a:fld>
             <a:endParaRPr lang="en-US"/>
           </a:p>
@@ -680,7 +688,7 @@
           <a:p>
             <a:fld id="{2DCBD7F6-55E2-42E0-A29B-00EE06C6C13E}" type="datetimeFigureOut">
               <a:rPr lang="en-US" smtClean="0"/>
-              <a:t>08/10/2024</a:t>
+              <a:t>09/10/2024</a:t>
             </a:fld>
             <a:endParaRPr lang="en-US"/>
           </a:p>
@@ -878,7 +886,7 @@
           <a:p>
             <a:fld id="{2DCBD7F6-55E2-42E0-A29B-00EE06C6C13E}" type="datetimeFigureOut">
               <a:rPr lang="en-US" smtClean="0"/>
-              <a:t>08/10/2024</a:t>
+              <a:t>09/10/2024</a:t>
             </a:fld>
             <a:endParaRPr lang="en-US"/>
           </a:p>
@@ -1153,7 +1161,7 @@
           <a:p>
             <a:fld id="{2DCBD7F6-55E2-42E0-A29B-00EE06C6C13E}" type="datetimeFigureOut">
               <a:rPr lang="en-US" smtClean="0"/>
-              <a:t>08/10/2024</a:t>
+              <a:t>09/10/2024</a:t>
             </a:fld>
             <a:endParaRPr lang="en-US"/>
           </a:p>
@@ -1418,7 +1426,7 @@
           <a:p>
             <a:fld id="{2DCBD7F6-55E2-42E0-A29B-00EE06C6C13E}" type="datetimeFigureOut">
               <a:rPr lang="en-US" smtClean="0"/>
-              <a:t>08/10/2024</a:t>
+              <a:t>09/10/2024</a:t>
             </a:fld>
             <a:endParaRPr lang="en-US"/>
           </a:p>
@@ -1830,7 +1838,7 @@
           <a:p>
             <a:fld id="{2DCBD7F6-55E2-42E0-A29B-00EE06C6C13E}" type="datetimeFigureOut">
               <a:rPr lang="en-US" smtClean="0"/>
-              <a:t>08/10/2024</a:t>
+              <a:t>09/10/2024</a:t>
             </a:fld>
             <a:endParaRPr lang="en-US"/>
           </a:p>
@@ -1971,7 +1979,7 @@
           <a:p>
             <a:fld id="{2DCBD7F6-55E2-42E0-A29B-00EE06C6C13E}" type="datetimeFigureOut">
               <a:rPr lang="en-US" smtClean="0"/>
-              <a:t>08/10/2024</a:t>
+              <a:t>09/10/2024</a:t>
             </a:fld>
             <a:endParaRPr lang="en-US"/>
           </a:p>
@@ -2084,7 +2092,7 @@
           <a:p>
             <a:fld id="{2DCBD7F6-55E2-42E0-A29B-00EE06C6C13E}" type="datetimeFigureOut">
               <a:rPr lang="en-US" smtClean="0"/>
-              <a:t>08/10/2024</a:t>
+              <a:t>09/10/2024</a:t>
             </a:fld>
             <a:endParaRPr lang="en-US"/>
           </a:p>
@@ -2395,7 +2403,7 @@
           <a:p>
             <a:fld id="{2DCBD7F6-55E2-42E0-A29B-00EE06C6C13E}" type="datetimeFigureOut">
               <a:rPr lang="en-US" smtClean="0"/>
-              <a:t>08/10/2024</a:t>
+              <a:t>09/10/2024</a:t>
             </a:fld>
             <a:endParaRPr lang="en-US"/>
           </a:p>
@@ -2683,7 +2691,7 @@
           <a:p>
             <a:fld id="{2DCBD7F6-55E2-42E0-A29B-00EE06C6C13E}" type="datetimeFigureOut">
               <a:rPr lang="en-US" smtClean="0"/>
-              <a:t>08/10/2024</a:t>
+              <a:t>09/10/2024</a:t>
             </a:fld>
             <a:endParaRPr lang="en-US"/>
           </a:p>
@@ -2924,7 +2932,7 @@
           <a:p>
             <a:fld id="{2DCBD7F6-55E2-42E0-A29B-00EE06C6C13E}" type="datetimeFigureOut">
               <a:rPr lang="en-US" smtClean="0"/>
-              <a:t>08/10/2024</a:t>
+              <a:t>09/10/2024</a:t>
             </a:fld>
             <a:endParaRPr lang="en-US"/>
           </a:p>
@@ -3432,60 +3440,143 @@
           <a:chExt cx="0" cy="0"/>
         </a:xfrm>
       </p:grpSpPr>
-      <p:sp>
-        <p:nvSpPr>
-          <p:cNvPr id="2" name="Title 1">
-            <a:extLst>
-              <a:ext uri="{FF2B5EF4-FFF2-40B4-BE49-F238E27FC236}">
-                <a16:creationId xmlns:a16="http://schemas.microsoft.com/office/drawing/2014/main" id="{8EE15EC1-2FDB-49A9-8433-9C232CD05CB2}"/>
-              </a:ext>
-            </a:extLst>
-          </p:cNvPr>
-          <p:cNvSpPr>
-            <a:spLocks noGrp="1"/>
-          </p:cNvSpPr>
-          <p:nvPr>
-            <p:ph type="title"/>
-          </p:nvPr>
-        </p:nvSpPr>
-        <p:spPr/>
-        <p:txBody>
-          <a:bodyPr/>
-          <a:lstStyle/>
-          <a:p>
-            <a:endParaRPr lang="en-US"/>
-          </a:p>
-        </p:txBody>
-      </p:sp>
-      <p:sp>
-        <p:nvSpPr>
-          <p:cNvPr id="3" name="Content Placeholder 2">
-            <a:extLst>
-              <a:ext uri="{FF2B5EF4-FFF2-40B4-BE49-F238E27FC236}">
-                <a16:creationId xmlns:a16="http://schemas.microsoft.com/office/drawing/2014/main" id="{428A3817-CE23-4977-B552-03BDB9EDB046}"/>
-              </a:ext>
-            </a:extLst>
-          </p:cNvPr>
-          <p:cNvSpPr>
-            <a:spLocks noGrp="1"/>
-          </p:cNvSpPr>
-          <p:nvPr>
-            <p:ph idx="1"/>
-          </p:nvPr>
-        </p:nvSpPr>
-        <p:spPr/>
-        <p:txBody>
-          <a:bodyPr/>
-          <a:lstStyle/>
-          <a:p>
-            <a:endParaRPr lang="en-US"/>
-          </a:p>
-        </p:txBody>
-      </p:sp>
+      <p:pic>
+        <p:nvPicPr>
+          <p:cNvPr id="4" name="Picture 3">
+            <a:extLst>
+              <a:ext uri="{FF2B5EF4-FFF2-40B4-BE49-F238E27FC236}">
+                <a16:creationId xmlns:a16="http://schemas.microsoft.com/office/drawing/2014/main" id="{8C727051-C5C0-43E5-9B21-93AFCADDDBC9}"/>
+              </a:ext>
+            </a:extLst>
+          </p:cNvPr>
+          <p:cNvPicPr>
+            <a:picLocks noChangeAspect="1"/>
+          </p:cNvPicPr>
+          <p:nvPr/>
+        </p:nvPicPr>
+        <p:blipFill>
+          <a:blip r:embed="rId2"/>
+          <a:stretch>
+            <a:fillRect/>
+          </a:stretch>
+        </p:blipFill>
+        <p:spPr>
+          <a:xfrm>
+            <a:off x="483093" y="326896"/>
+            <a:ext cx="2772162" cy="2067213"/>
+          </a:xfrm>
+          <a:prstGeom prst="rect">
+            <a:avLst/>
+          </a:prstGeom>
+        </p:spPr>
+      </p:pic>
+      <p:pic>
+        <p:nvPicPr>
+          <p:cNvPr id="5" name="Picture 4">
+            <a:extLst>
+              <a:ext uri="{FF2B5EF4-FFF2-40B4-BE49-F238E27FC236}">
+                <a16:creationId xmlns:a16="http://schemas.microsoft.com/office/drawing/2014/main" id="{C6B4A547-2B14-46E8-BBE8-C91A55D8932A}"/>
+              </a:ext>
+            </a:extLst>
+          </p:cNvPr>
+          <p:cNvPicPr>
+            <a:picLocks noChangeAspect="1"/>
+          </p:cNvPicPr>
+          <p:nvPr/>
+        </p:nvPicPr>
+        <p:blipFill>
+          <a:blip r:embed="rId3"/>
+          <a:stretch>
+            <a:fillRect/>
+          </a:stretch>
+        </p:blipFill>
+        <p:spPr>
+          <a:xfrm>
+            <a:off x="7876652" y="326896"/>
+            <a:ext cx="2848373" cy="1981477"/>
+          </a:xfrm>
+          <a:prstGeom prst="rect">
+            <a:avLst/>
+          </a:prstGeom>
+        </p:spPr>
+      </p:pic>
+      <p:cxnSp>
+        <p:nvCxnSpPr>
+          <p:cNvPr id="7" name="Straight Arrow Connector 6">
+            <a:extLst>
+              <a:ext uri="{FF2B5EF4-FFF2-40B4-BE49-F238E27FC236}">
+                <a16:creationId xmlns:a16="http://schemas.microsoft.com/office/drawing/2014/main" id="{1EE02639-FE42-4ED1-A085-B2BF095E3420}"/>
+              </a:ext>
+            </a:extLst>
+          </p:cNvPr>
+          <p:cNvCxnSpPr>
+            <a:cxnSpLocks/>
+            <a:stCxn id="4" idx="3"/>
+            <a:endCxn id="5" idx="1"/>
+          </p:cNvCxnSpPr>
+          <p:nvPr/>
+        </p:nvCxnSpPr>
+        <p:spPr>
+          <a:xfrm flipV="1">
+            <a:off x="3255255" y="1317635"/>
+            <a:ext cx="4621397" cy="42868"/>
+          </a:xfrm>
+          <a:prstGeom prst="straightConnector1">
+            <a:avLst/>
+          </a:prstGeom>
+          <a:ln>
+            <a:tailEnd type="triangle"/>
+          </a:ln>
+        </p:spPr>
+        <p:style>
+          <a:lnRef idx="1">
+            <a:schemeClr val="dk1"/>
+          </a:lnRef>
+          <a:fillRef idx="0">
+            <a:schemeClr val="dk1"/>
+          </a:fillRef>
+          <a:effectRef idx="0">
+            <a:schemeClr val="dk1"/>
+          </a:effectRef>
+          <a:fontRef idx="minor">
+            <a:schemeClr val="tx1"/>
+          </a:fontRef>
+        </p:style>
+      </p:cxnSp>
+      <p:pic>
+        <p:nvPicPr>
+          <p:cNvPr id="11" name="Picture 10">
+            <a:extLst>
+              <a:ext uri="{FF2B5EF4-FFF2-40B4-BE49-F238E27FC236}">
+                <a16:creationId xmlns:a16="http://schemas.microsoft.com/office/drawing/2014/main" id="{7F56ED01-8DFB-4687-8291-1758D2EEC8D2}"/>
+              </a:ext>
+            </a:extLst>
+          </p:cNvPr>
+          <p:cNvPicPr>
+            <a:picLocks noChangeAspect="1"/>
+          </p:cNvPicPr>
+          <p:nvPr/>
+        </p:nvPicPr>
+        <p:blipFill>
+          <a:blip r:embed="rId4"/>
+          <a:stretch>
+            <a:fillRect/>
+          </a:stretch>
+        </p:blipFill>
+        <p:spPr>
+          <a:xfrm>
+            <a:off x="2200763" y="3832054"/>
+            <a:ext cx="2286319" cy="1981477"/>
+          </a:xfrm>
+          <a:prstGeom prst="rect">
+            <a:avLst/>
+          </a:prstGeom>
+        </p:spPr>
+      </p:pic>
     </p:spTree>
     <p:extLst>
       <p:ext uri="{BB962C8B-B14F-4D97-AF65-F5344CB8AC3E}">
-        <p14:creationId xmlns:p14="http://schemas.microsoft.com/office/powerpoint/2010/main" val="1972832352"/>
+        <p14:creationId xmlns:p14="http://schemas.microsoft.com/office/powerpoint/2010/main" val="1627415260"/>
       </p:ext>
     </p:extLst>
   </p:cSld>
@@ -3512,60 +3603,70 @@
           <a:chExt cx="0" cy="0"/>
         </a:xfrm>
       </p:grpSpPr>
-      <p:sp>
-        <p:nvSpPr>
-          <p:cNvPr id="2" name="Title 1">
-            <a:extLst>
-              <a:ext uri="{FF2B5EF4-FFF2-40B4-BE49-F238E27FC236}">
-                <a16:creationId xmlns:a16="http://schemas.microsoft.com/office/drawing/2014/main" id="{E1F63504-3102-483D-992D-5B8FB9C712C2}"/>
-              </a:ext>
-            </a:extLst>
-          </p:cNvPr>
-          <p:cNvSpPr>
-            <a:spLocks noGrp="1"/>
-          </p:cNvSpPr>
-          <p:nvPr>
-            <p:ph type="title"/>
-          </p:nvPr>
-        </p:nvSpPr>
-        <p:spPr/>
-        <p:txBody>
-          <a:bodyPr/>
-          <a:lstStyle/>
-          <a:p>
-            <a:endParaRPr lang="en-US"/>
-          </a:p>
-        </p:txBody>
-      </p:sp>
-      <p:sp>
-        <p:nvSpPr>
-          <p:cNvPr id="3" name="Content Placeholder 2">
-            <a:extLst>
-              <a:ext uri="{FF2B5EF4-FFF2-40B4-BE49-F238E27FC236}">
-                <a16:creationId xmlns:a16="http://schemas.microsoft.com/office/drawing/2014/main" id="{80E76D36-CA88-4A95-A479-A80AD874A1A1}"/>
-              </a:ext>
-            </a:extLst>
-          </p:cNvPr>
-          <p:cNvSpPr>
-            <a:spLocks noGrp="1"/>
-          </p:cNvSpPr>
-          <p:nvPr>
-            <p:ph idx="1"/>
-          </p:nvPr>
-        </p:nvSpPr>
-        <p:spPr/>
-        <p:txBody>
-          <a:bodyPr/>
-          <a:lstStyle/>
-          <a:p>
-            <a:endParaRPr lang="en-US"/>
-          </a:p>
-        </p:txBody>
-      </p:sp>
+      <p:pic>
+        <p:nvPicPr>
+          <p:cNvPr id="4" name="Picture 3">
+            <a:extLst>
+              <a:ext uri="{FF2B5EF4-FFF2-40B4-BE49-F238E27FC236}">
+                <a16:creationId xmlns:a16="http://schemas.microsoft.com/office/drawing/2014/main" id="{FD2039DE-D476-4D20-8C3A-F943919F7EAB}"/>
+              </a:ext>
+            </a:extLst>
+          </p:cNvPr>
+          <p:cNvPicPr>
+            <a:picLocks noChangeAspect="1"/>
+          </p:cNvPicPr>
+          <p:nvPr/>
+        </p:nvPicPr>
+        <p:blipFill>
+          <a:blip r:embed="rId2"/>
+          <a:stretch>
+            <a:fillRect/>
+          </a:stretch>
+        </p:blipFill>
+        <p:spPr>
+          <a:xfrm>
+            <a:off x="564422" y="499387"/>
+            <a:ext cx="6020640" cy="390580"/>
+          </a:xfrm>
+          <a:prstGeom prst="rect">
+            <a:avLst/>
+          </a:prstGeom>
+        </p:spPr>
+      </p:pic>
+      <p:pic>
+        <p:nvPicPr>
+          <p:cNvPr id="5" name="Picture 4">
+            <a:extLst>
+              <a:ext uri="{FF2B5EF4-FFF2-40B4-BE49-F238E27FC236}">
+                <a16:creationId xmlns:a16="http://schemas.microsoft.com/office/drawing/2014/main" id="{1EBE9F63-90A9-4249-B402-A84DA1F6CB63}"/>
+              </a:ext>
+            </a:extLst>
+          </p:cNvPr>
+          <p:cNvPicPr>
+            <a:picLocks noChangeAspect="1"/>
+          </p:cNvPicPr>
+          <p:nvPr/>
+        </p:nvPicPr>
+        <p:blipFill>
+          <a:blip r:embed="rId3"/>
+          <a:stretch>
+            <a:fillRect/>
+          </a:stretch>
+        </p:blipFill>
+        <p:spPr>
+          <a:xfrm>
+            <a:off x="384502" y="1546845"/>
+            <a:ext cx="10783805" cy="2610214"/>
+          </a:xfrm>
+          <a:prstGeom prst="rect">
+            <a:avLst/>
+          </a:prstGeom>
+        </p:spPr>
+      </p:pic>
     </p:spTree>
     <p:extLst>
       <p:ext uri="{BB962C8B-B14F-4D97-AF65-F5344CB8AC3E}">
-        <p14:creationId xmlns:p14="http://schemas.microsoft.com/office/powerpoint/2010/main" val="744955077"/>
+        <p14:creationId xmlns:p14="http://schemas.microsoft.com/office/powerpoint/2010/main" val="1378915588"/>
       </p:ext>
     </p:extLst>
   </p:cSld>
@@ -3597,7 +3698,7 @@
           <p:cNvPr id="2" name="Title 1">
             <a:extLst>
               <a:ext uri="{FF2B5EF4-FFF2-40B4-BE49-F238E27FC236}">
-                <a16:creationId xmlns:a16="http://schemas.microsoft.com/office/drawing/2014/main" id="{59553D8D-47A5-4D30-9931-D40FEC2E8FB6}"/>
+                <a16:creationId xmlns:a16="http://schemas.microsoft.com/office/drawing/2014/main" id="{7CEF2B23-18E7-498C-B552-6DCD55E72F78}"/>
               </a:ext>
             </a:extLst>
           </p:cNvPr>
@@ -3622,7 +3723,7 @@
           <p:cNvPr id="3" name="Content Placeholder 2">
             <a:extLst>
               <a:ext uri="{FF2B5EF4-FFF2-40B4-BE49-F238E27FC236}">
-                <a16:creationId xmlns:a16="http://schemas.microsoft.com/office/drawing/2014/main" id="{8DE89F95-3D4C-4620-8D0C-31D68568781C}"/>
+                <a16:creationId xmlns:a16="http://schemas.microsoft.com/office/drawing/2014/main" id="{10C96F34-8A05-44E1-B738-46C4187A27FE}"/>
               </a:ext>
             </a:extLst>
           </p:cNvPr>
@@ -3645,7 +3746,7 @@
     </p:spTree>
     <p:extLst>
       <p:ext uri="{BB962C8B-B14F-4D97-AF65-F5344CB8AC3E}">
-        <p14:creationId xmlns:p14="http://schemas.microsoft.com/office/powerpoint/2010/main" val="663835660"/>
+        <p14:creationId xmlns:p14="http://schemas.microsoft.com/office/powerpoint/2010/main" val="1169473175"/>
       </p:ext>
     </p:extLst>
   </p:cSld>
@@ -3677,7 +3778,7 @@
           <p:cNvPr id="2" name="Title 1">
             <a:extLst>
               <a:ext uri="{FF2B5EF4-FFF2-40B4-BE49-F238E27FC236}">
-                <a16:creationId xmlns:a16="http://schemas.microsoft.com/office/drawing/2014/main" id="{58942A5C-71E6-4D44-9849-071369DE2D03}"/>
+                <a16:creationId xmlns:a16="http://schemas.microsoft.com/office/drawing/2014/main" id="{02C9DAFF-B1F8-4608-B073-EF2525F88CD7}"/>
               </a:ext>
             </a:extLst>
           </p:cNvPr>
@@ -3702,7 +3803,7 @@
           <p:cNvPr id="3" name="Content Placeholder 2">
             <a:extLst>
               <a:ext uri="{FF2B5EF4-FFF2-40B4-BE49-F238E27FC236}">
-                <a16:creationId xmlns:a16="http://schemas.microsoft.com/office/drawing/2014/main" id="{1E9BE06B-4DC6-4ECD-8B1D-7AE8DF17DC40}"/>
+                <a16:creationId xmlns:a16="http://schemas.microsoft.com/office/drawing/2014/main" id="{0CBE9E4C-EDDA-49D8-B173-6E73D34B6FE7}"/>
               </a:ext>
             </a:extLst>
           </p:cNvPr>
@@ -3725,7 +3826,7 @@
     </p:spTree>
     <p:extLst>
       <p:ext uri="{BB962C8B-B14F-4D97-AF65-F5344CB8AC3E}">
-        <p14:creationId xmlns:p14="http://schemas.microsoft.com/office/powerpoint/2010/main" val="3031962348"/>
+        <p14:creationId xmlns:p14="http://schemas.microsoft.com/office/powerpoint/2010/main" val="628008569"/>
       </p:ext>
     </p:extLst>
   </p:cSld>
@@ -3757,7 +3858,7 @@
           <p:cNvPr id="2" name="Title 1">
             <a:extLst>
               <a:ext uri="{FF2B5EF4-FFF2-40B4-BE49-F238E27FC236}">
-                <a16:creationId xmlns:a16="http://schemas.microsoft.com/office/drawing/2014/main" id="{8523F67D-0BD7-4E75-B5FD-37EF9773C17B}"/>
+                <a16:creationId xmlns:a16="http://schemas.microsoft.com/office/drawing/2014/main" id="{AFD4EECD-9E3E-4F5C-B28F-CBBDFFDEA32D}"/>
               </a:ext>
             </a:extLst>
           </p:cNvPr>
@@ -3782,7 +3883,7 @@
           <p:cNvPr id="3" name="Content Placeholder 2">
             <a:extLst>
               <a:ext uri="{FF2B5EF4-FFF2-40B4-BE49-F238E27FC236}">
-                <a16:creationId xmlns:a16="http://schemas.microsoft.com/office/drawing/2014/main" id="{B895DE13-1ACD-42C1-936A-CE2D826F3751}"/>
+                <a16:creationId xmlns:a16="http://schemas.microsoft.com/office/drawing/2014/main" id="{8AB72327-4B39-4EFA-B077-7D365AE042E3}"/>
               </a:ext>
             </a:extLst>
           </p:cNvPr>
@@ -3805,7 +3906,7 @@
     </p:spTree>
     <p:extLst>
       <p:ext uri="{BB962C8B-B14F-4D97-AF65-F5344CB8AC3E}">
-        <p14:creationId xmlns:p14="http://schemas.microsoft.com/office/powerpoint/2010/main" val="843047521"/>
+        <p14:creationId xmlns:p14="http://schemas.microsoft.com/office/powerpoint/2010/main" val="2173180799"/>
       </p:ext>
     </p:extLst>
   </p:cSld>
@@ -3837,7 +3938,7 @@
           <p:cNvPr id="2" name="Title 1">
             <a:extLst>
               <a:ext uri="{FF2B5EF4-FFF2-40B4-BE49-F238E27FC236}">
-                <a16:creationId xmlns:a16="http://schemas.microsoft.com/office/drawing/2014/main" id="{20B2CEA8-3587-40FF-A78A-8196068BFD36}"/>
+                <a16:creationId xmlns:a16="http://schemas.microsoft.com/office/drawing/2014/main" id="{B7AB61EA-7839-4FDF-BBB1-F5DCDF93845C}"/>
               </a:ext>
             </a:extLst>
           </p:cNvPr>
@@ -3862,7 +3963,7 @@
           <p:cNvPr id="3" name="Content Placeholder 2">
             <a:extLst>
               <a:ext uri="{FF2B5EF4-FFF2-40B4-BE49-F238E27FC236}">
-                <a16:creationId xmlns:a16="http://schemas.microsoft.com/office/drawing/2014/main" id="{D577A860-289E-4815-A6C3-0BE4CF74C3D6}"/>
+                <a16:creationId xmlns:a16="http://schemas.microsoft.com/office/drawing/2014/main" id="{4A217928-F60C-43D7-9D5D-A98822450D8B}"/>
               </a:ext>
             </a:extLst>
           </p:cNvPr>
@@ -3885,7 +3986,7 @@
     </p:spTree>
     <p:extLst>
       <p:ext uri="{BB962C8B-B14F-4D97-AF65-F5344CB8AC3E}">
-        <p14:creationId xmlns:p14="http://schemas.microsoft.com/office/powerpoint/2010/main" val="4120250731"/>
+        <p14:creationId xmlns:p14="http://schemas.microsoft.com/office/powerpoint/2010/main" val="3387411229"/>
       </p:ext>
     </p:extLst>
   </p:cSld>
@@ -3917,7 +4018,7 @@
           <p:cNvPr id="2" name="Title 1">
             <a:extLst>
               <a:ext uri="{FF2B5EF4-FFF2-40B4-BE49-F238E27FC236}">
-                <a16:creationId xmlns:a16="http://schemas.microsoft.com/office/drawing/2014/main" id="{C4385B47-99DE-438F-9322-85AAF7C235DC}"/>
+                <a16:creationId xmlns:a16="http://schemas.microsoft.com/office/drawing/2014/main" id="{A279C610-4C5F-46AB-8BC0-46DD61EBEFCC}"/>
               </a:ext>
             </a:extLst>
           </p:cNvPr>
@@ -3942,7 +4043,7 @@
           <p:cNvPr id="3" name="Content Placeholder 2">
             <a:extLst>
               <a:ext uri="{FF2B5EF4-FFF2-40B4-BE49-F238E27FC236}">
-                <a16:creationId xmlns:a16="http://schemas.microsoft.com/office/drawing/2014/main" id="{9528E8B5-87F3-4B1E-AE52-7D95CE07EDE8}"/>
+                <a16:creationId xmlns:a16="http://schemas.microsoft.com/office/drawing/2014/main" id="{D84C31B6-89B4-4EE4-B5CC-6C37526EFA82}"/>
               </a:ext>
             </a:extLst>
           </p:cNvPr>
@@ -3965,7 +4066,258 @@
     </p:spTree>
     <p:extLst>
       <p:ext uri="{BB962C8B-B14F-4D97-AF65-F5344CB8AC3E}">
-        <p14:creationId xmlns:p14="http://schemas.microsoft.com/office/powerpoint/2010/main" val="3623646971"/>
+        <p14:creationId xmlns:p14="http://schemas.microsoft.com/office/powerpoint/2010/main" val="3572950926"/>
+      </p:ext>
+    </p:extLst>
+  </p:cSld>
+  <p:clrMapOvr>
+    <a:masterClrMapping/>
+  </p:clrMapOvr>
+</p:sld>
+</file>
+
+<file path=ppt/slides/slide17.xml><?xml version="1.0" encoding="utf-8"?>
+<p:sld xmlns:a="http://schemas.openxmlformats.org/drawingml/2006/main" xmlns:r="http://schemas.openxmlformats.org/officeDocument/2006/relationships" xmlns:p="http://schemas.openxmlformats.org/presentationml/2006/main">
+  <p:cSld>
+    <p:spTree>
+      <p:nvGrpSpPr>
+        <p:cNvPr id="1" name=""/>
+        <p:cNvGrpSpPr/>
+        <p:nvPr/>
+      </p:nvGrpSpPr>
+      <p:grpSpPr>
+        <a:xfrm>
+          <a:off x="0" y="0"/>
+          <a:ext cx="0" cy="0"/>
+          <a:chOff x="0" y="0"/>
+          <a:chExt cx="0" cy="0"/>
+        </a:xfrm>
+      </p:grpSpPr>
+      <p:sp>
+        <p:nvSpPr>
+          <p:cNvPr id="2" name="Title 1">
+            <a:extLst>
+              <a:ext uri="{FF2B5EF4-FFF2-40B4-BE49-F238E27FC236}">
+                <a16:creationId xmlns:a16="http://schemas.microsoft.com/office/drawing/2014/main" id="{2A43F5AC-0BC0-4A59-913A-4F56BFA4D48C}"/>
+              </a:ext>
+            </a:extLst>
+          </p:cNvPr>
+          <p:cNvSpPr>
+            <a:spLocks noGrp="1"/>
+          </p:cNvSpPr>
+          <p:nvPr>
+            <p:ph type="title"/>
+          </p:nvPr>
+        </p:nvSpPr>
+        <p:spPr/>
+        <p:txBody>
+          <a:bodyPr/>
+          <a:lstStyle/>
+          <a:p>
+            <a:endParaRPr lang="en-US"/>
+          </a:p>
+        </p:txBody>
+      </p:sp>
+      <p:sp>
+        <p:nvSpPr>
+          <p:cNvPr id="3" name="Content Placeholder 2">
+            <a:extLst>
+              <a:ext uri="{FF2B5EF4-FFF2-40B4-BE49-F238E27FC236}">
+                <a16:creationId xmlns:a16="http://schemas.microsoft.com/office/drawing/2014/main" id="{C6FDA7EC-D7A5-4725-B754-935686CEB139}"/>
+              </a:ext>
+            </a:extLst>
+          </p:cNvPr>
+          <p:cNvSpPr>
+            <a:spLocks noGrp="1"/>
+          </p:cNvSpPr>
+          <p:nvPr>
+            <p:ph idx="1"/>
+          </p:nvPr>
+        </p:nvSpPr>
+        <p:spPr/>
+        <p:txBody>
+          <a:bodyPr/>
+          <a:lstStyle/>
+          <a:p>
+            <a:endParaRPr lang="en-US"/>
+          </a:p>
+        </p:txBody>
+      </p:sp>
+    </p:spTree>
+    <p:extLst>
+      <p:ext uri="{BB962C8B-B14F-4D97-AF65-F5344CB8AC3E}">
+        <p14:creationId xmlns:p14="http://schemas.microsoft.com/office/powerpoint/2010/main" val="859148886"/>
+      </p:ext>
+    </p:extLst>
+  </p:cSld>
+  <p:clrMapOvr>
+    <a:masterClrMapping/>
+  </p:clrMapOvr>
+</p:sld>
+</file>
+
+<file path=ppt/slides/slide18.xml><?xml version="1.0" encoding="utf-8"?>
+<p:sld xmlns:a="http://schemas.openxmlformats.org/drawingml/2006/main" xmlns:r="http://schemas.openxmlformats.org/officeDocument/2006/relationships" xmlns:p="http://schemas.openxmlformats.org/presentationml/2006/main">
+  <p:cSld>
+    <p:spTree>
+      <p:nvGrpSpPr>
+        <p:cNvPr id="1" name=""/>
+        <p:cNvGrpSpPr/>
+        <p:nvPr/>
+      </p:nvGrpSpPr>
+      <p:grpSpPr>
+        <a:xfrm>
+          <a:off x="0" y="0"/>
+          <a:ext cx="0" cy="0"/>
+          <a:chOff x="0" y="0"/>
+          <a:chExt cx="0" cy="0"/>
+        </a:xfrm>
+      </p:grpSpPr>
+      <p:sp>
+        <p:nvSpPr>
+          <p:cNvPr id="2" name="Title 1">
+            <a:extLst>
+              <a:ext uri="{FF2B5EF4-FFF2-40B4-BE49-F238E27FC236}">
+                <a16:creationId xmlns:a16="http://schemas.microsoft.com/office/drawing/2014/main" id="{8EE15EC1-2FDB-49A9-8433-9C232CD05CB2}"/>
+              </a:ext>
+            </a:extLst>
+          </p:cNvPr>
+          <p:cNvSpPr>
+            <a:spLocks noGrp="1"/>
+          </p:cNvSpPr>
+          <p:nvPr>
+            <p:ph type="title"/>
+          </p:nvPr>
+        </p:nvSpPr>
+        <p:spPr/>
+        <p:txBody>
+          <a:bodyPr/>
+          <a:lstStyle/>
+          <a:p>
+            <a:r>
+              <a:rPr lang="en-US"/>
+              <a:t>Tạo Form đăng ký bằng Wordpress</a:t>
+            </a:r>
+          </a:p>
+        </p:txBody>
+      </p:sp>
+      <p:sp>
+        <p:nvSpPr>
+          <p:cNvPr id="3" name="Content Placeholder 2">
+            <a:extLst>
+              <a:ext uri="{FF2B5EF4-FFF2-40B4-BE49-F238E27FC236}">
+                <a16:creationId xmlns:a16="http://schemas.microsoft.com/office/drawing/2014/main" id="{428A3817-CE23-4977-B552-03BDB9EDB046}"/>
+              </a:ext>
+            </a:extLst>
+          </p:cNvPr>
+          <p:cNvSpPr>
+            <a:spLocks noGrp="1"/>
+          </p:cNvSpPr>
+          <p:nvPr>
+            <p:ph idx="1"/>
+          </p:nvPr>
+        </p:nvSpPr>
+        <p:spPr>
+          <a:xfrm>
+            <a:off x="438704" y="1426131"/>
+            <a:ext cx="10515600" cy="793288"/>
+          </a:xfrm>
+        </p:spPr>
+        <p:txBody>
+          <a:bodyPr/>
+          <a:lstStyle/>
+          <a:p>
+            <a:r>
+              <a:rPr lang="en-US"/>
+              <a:t>https://www.youtube.com/watch?v=3iSyXwzTjJ8&amp;t=15s</a:t>
+            </a:r>
+          </a:p>
+        </p:txBody>
+      </p:sp>
+    </p:spTree>
+    <p:extLst>
+      <p:ext uri="{BB962C8B-B14F-4D97-AF65-F5344CB8AC3E}">
+        <p14:creationId xmlns:p14="http://schemas.microsoft.com/office/powerpoint/2010/main" val="1972832352"/>
+      </p:ext>
+    </p:extLst>
+  </p:cSld>
+  <p:clrMapOvr>
+    <a:masterClrMapping/>
+  </p:clrMapOvr>
+</p:sld>
+</file>
+
+<file path=ppt/slides/slide19.xml><?xml version="1.0" encoding="utf-8"?>
+<p:sld xmlns:a="http://schemas.openxmlformats.org/drawingml/2006/main" xmlns:r="http://schemas.openxmlformats.org/officeDocument/2006/relationships" xmlns:p="http://schemas.openxmlformats.org/presentationml/2006/main">
+  <p:cSld>
+    <p:spTree>
+      <p:nvGrpSpPr>
+        <p:cNvPr id="1" name=""/>
+        <p:cNvGrpSpPr/>
+        <p:nvPr/>
+      </p:nvGrpSpPr>
+      <p:grpSpPr>
+        <a:xfrm>
+          <a:off x="0" y="0"/>
+          <a:ext cx="0" cy="0"/>
+          <a:chOff x="0" y="0"/>
+          <a:chExt cx="0" cy="0"/>
+        </a:xfrm>
+      </p:grpSpPr>
+      <p:sp>
+        <p:nvSpPr>
+          <p:cNvPr id="2" name="Title 1">
+            <a:extLst>
+              <a:ext uri="{FF2B5EF4-FFF2-40B4-BE49-F238E27FC236}">
+                <a16:creationId xmlns:a16="http://schemas.microsoft.com/office/drawing/2014/main" id="{E1F63504-3102-483D-992D-5B8FB9C712C2}"/>
+              </a:ext>
+            </a:extLst>
+          </p:cNvPr>
+          <p:cNvSpPr>
+            <a:spLocks noGrp="1"/>
+          </p:cNvSpPr>
+          <p:nvPr>
+            <p:ph type="title"/>
+          </p:nvPr>
+        </p:nvSpPr>
+        <p:spPr/>
+        <p:txBody>
+          <a:bodyPr/>
+          <a:lstStyle/>
+          <a:p>
+            <a:endParaRPr lang="en-US"/>
+          </a:p>
+        </p:txBody>
+      </p:sp>
+      <p:sp>
+        <p:nvSpPr>
+          <p:cNvPr id="3" name="Content Placeholder 2">
+            <a:extLst>
+              <a:ext uri="{FF2B5EF4-FFF2-40B4-BE49-F238E27FC236}">
+                <a16:creationId xmlns:a16="http://schemas.microsoft.com/office/drawing/2014/main" id="{80E76D36-CA88-4A95-A479-A80AD874A1A1}"/>
+              </a:ext>
+            </a:extLst>
+          </p:cNvPr>
+          <p:cNvSpPr>
+            <a:spLocks noGrp="1"/>
+          </p:cNvSpPr>
+          <p:nvPr>
+            <p:ph idx="1"/>
+          </p:nvPr>
+        </p:nvSpPr>
+        <p:spPr/>
+        <p:txBody>
+          <a:bodyPr/>
+          <a:lstStyle/>
+          <a:p>
+            <a:endParaRPr lang="en-US"/>
+          </a:p>
+        </p:txBody>
+      </p:sp>
+    </p:spTree>
+    <p:extLst>
+      <p:ext uri="{BB962C8B-B14F-4D97-AF65-F5344CB8AC3E}">
+        <p14:creationId xmlns:p14="http://schemas.microsoft.com/office/powerpoint/2010/main" val="744955077"/>
       </p:ext>
     </p:extLst>
   </p:cSld>
@@ -4238,6 +4590,406 @@
     <p:extLst>
       <p:ext uri="{BB962C8B-B14F-4D97-AF65-F5344CB8AC3E}">
         <p14:creationId xmlns:p14="http://schemas.microsoft.com/office/powerpoint/2010/main" val="1610365151"/>
+      </p:ext>
+    </p:extLst>
+  </p:cSld>
+  <p:clrMapOvr>
+    <a:masterClrMapping/>
+  </p:clrMapOvr>
+</p:sld>
+</file>
+
+<file path=ppt/slides/slide20.xml><?xml version="1.0" encoding="utf-8"?>
+<p:sld xmlns:a="http://schemas.openxmlformats.org/drawingml/2006/main" xmlns:r="http://schemas.openxmlformats.org/officeDocument/2006/relationships" xmlns:p="http://schemas.openxmlformats.org/presentationml/2006/main">
+  <p:cSld>
+    <p:spTree>
+      <p:nvGrpSpPr>
+        <p:cNvPr id="1" name=""/>
+        <p:cNvGrpSpPr/>
+        <p:nvPr/>
+      </p:nvGrpSpPr>
+      <p:grpSpPr>
+        <a:xfrm>
+          <a:off x="0" y="0"/>
+          <a:ext cx="0" cy="0"/>
+          <a:chOff x="0" y="0"/>
+          <a:chExt cx="0" cy="0"/>
+        </a:xfrm>
+      </p:grpSpPr>
+      <p:sp>
+        <p:nvSpPr>
+          <p:cNvPr id="2" name="Title 1">
+            <a:extLst>
+              <a:ext uri="{FF2B5EF4-FFF2-40B4-BE49-F238E27FC236}">
+                <a16:creationId xmlns:a16="http://schemas.microsoft.com/office/drawing/2014/main" id="{59553D8D-47A5-4D30-9931-D40FEC2E8FB6}"/>
+              </a:ext>
+            </a:extLst>
+          </p:cNvPr>
+          <p:cNvSpPr>
+            <a:spLocks noGrp="1"/>
+          </p:cNvSpPr>
+          <p:nvPr>
+            <p:ph type="title"/>
+          </p:nvPr>
+        </p:nvSpPr>
+        <p:spPr/>
+        <p:txBody>
+          <a:bodyPr/>
+          <a:lstStyle/>
+          <a:p>
+            <a:endParaRPr lang="en-US"/>
+          </a:p>
+        </p:txBody>
+      </p:sp>
+      <p:sp>
+        <p:nvSpPr>
+          <p:cNvPr id="3" name="Content Placeholder 2">
+            <a:extLst>
+              <a:ext uri="{FF2B5EF4-FFF2-40B4-BE49-F238E27FC236}">
+                <a16:creationId xmlns:a16="http://schemas.microsoft.com/office/drawing/2014/main" id="{8DE89F95-3D4C-4620-8D0C-31D68568781C}"/>
+              </a:ext>
+            </a:extLst>
+          </p:cNvPr>
+          <p:cNvSpPr>
+            <a:spLocks noGrp="1"/>
+          </p:cNvSpPr>
+          <p:nvPr>
+            <p:ph idx="1"/>
+          </p:nvPr>
+        </p:nvSpPr>
+        <p:spPr/>
+        <p:txBody>
+          <a:bodyPr/>
+          <a:lstStyle/>
+          <a:p>
+            <a:endParaRPr lang="en-US"/>
+          </a:p>
+        </p:txBody>
+      </p:sp>
+    </p:spTree>
+    <p:extLst>
+      <p:ext uri="{BB962C8B-B14F-4D97-AF65-F5344CB8AC3E}">
+        <p14:creationId xmlns:p14="http://schemas.microsoft.com/office/powerpoint/2010/main" val="663835660"/>
+      </p:ext>
+    </p:extLst>
+  </p:cSld>
+  <p:clrMapOvr>
+    <a:masterClrMapping/>
+  </p:clrMapOvr>
+</p:sld>
+</file>
+
+<file path=ppt/slides/slide21.xml><?xml version="1.0" encoding="utf-8"?>
+<p:sld xmlns:a="http://schemas.openxmlformats.org/drawingml/2006/main" xmlns:r="http://schemas.openxmlformats.org/officeDocument/2006/relationships" xmlns:p="http://schemas.openxmlformats.org/presentationml/2006/main">
+  <p:cSld>
+    <p:spTree>
+      <p:nvGrpSpPr>
+        <p:cNvPr id="1" name=""/>
+        <p:cNvGrpSpPr/>
+        <p:nvPr/>
+      </p:nvGrpSpPr>
+      <p:grpSpPr>
+        <a:xfrm>
+          <a:off x="0" y="0"/>
+          <a:ext cx="0" cy="0"/>
+          <a:chOff x="0" y="0"/>
+          <a:chExt cx="0" cy="0"/>
+        </a:xfrm>
+      </p:grpSpPr>
+      <p:sp>
+        <p:nvSpPr>
+          <p:cNvPr id="2" name="Title 1">
+            <a:extLst>
+              <a:ext uri="{FF2B5EF4-FFF2-40B4-BE49-F238E27FC236}">
+                <a16:creationId xmlns:a16="http://schemas.microsoft.com/office/drawing/2014/main" id="{58942A5C-71E6-4D44-9849-071369DE2D03}"/>
+              </a:ext>
+            </a:extLst>
+          </p:cNvPr>
+          <p:cNvSpPr>
+            <a:spLocks noGrp="1"/>
+          </p:cNvSpPr>
+          <p:nvPr>
+            <p:ph type="title"/>
+          </p:nvPr>
+        </p:nvSpPr>
+        <p:spPr/>
+        <p:txBody>
+          <a:bodyPr/>
+          <a:lstStyle/>
+          <a:p>
+            <a:endParaRPr lang="en-US"/>
+          </a:p>
+        </p:txBody>
+      </p:sp>
+      <p:sp>
+        <p:nvSpPr>
+          <p:cNvPr id="3" name="Content Placeholder 2">
+            <a:extLst>
+              <a:ext uri="{FF2B5EF4-FFF2-40B4-BE49-F238E27FC236}">
+                <a16:creationId xmlns:a16="http://schemas.microsoft.com/office/drawing/2014/main" id="{1E9BE06B-4DC6-4ECD-8B1D-7AE8DF17DC40}"/>
+              </a:ext>
+            </a:extLst>
+          </p:cNvPr>
+          <p:cNvSpPr>
+            <a:spLocks noGrp="1"/>
+          </p:cNvSpPr>
+          <p:nvPr>
+            <p:ph idx="1"/>
+          </p:nvPr>
+        </p:nvSpPr>
+        <p:spPr/>
+        <p:txBody>
+          <a:bodyPr/>
+          <a:lstStyle/>
+          <a:p>
+            <a:endParaRPr lang="en-US"/>
+          </a:p>
+        </p:txBody>
+      </p:sp>
+    </p:spTree>
+    <p:extLst>
+      <p:ext uri="{BB962C8B-B14F-4D97-AF65-F5344CB8AC3E}">
+        <p14:creationId xmlns:p14="http://schemas.microsoft.com/office/powerpoint/2010/main" val="3031962348"/>
+      </p:ext>
+    </p:extLst>
+  </p:cSld>
+  <p:clrMapOvr>
+    <a:masterClrMapping/>
+  </p:clrMapOvr>
+</p:sld>
+</file>
+
+<file path=ppt/slides/slide22.xml><?xml version="1.0" encoding="utf-8"?>
+<p:sld xmlns:a="http://schemas.openxmlformats.org/drawingml/2006/main" xmlns:r="http://schemas.openxmlformats.org/officeDocument/2006/relationships" xmlns:p="http://schemas.openxmlformats.org/presentationml/2006/main">
+  <p:cSld>
+    <p:spTree>
+      <p:nvGrpSpPr>
+        <p:cNvPr id="1" name=""/>
+        <p:cNvGrpSpPr/>
+        <p:nvPr/>
+      </p:nvGrpSpPr>
+      <p:grpSpPr>
+        <a:xfrm>
+          <a:off x="0" y="0"/>
+          <a:ext cx="0" cy="0"/>
+          <a:chOff x="0" y="0"/>
+          <a:chExt cx="0" cy="0"/>
+        </a:xfrm>
+      </p:grpSpPr>
+      <p:sp>
+        <p:nvSpPr>
+          <p:cNvPr id="2" name="Title 1">
+            <a:extLst>
+              <a:ext uri="{FF2B5EF4-FFF2-40B4-BE49-F238E27FC236}">
+                <a16:creationId xmlns:a16="http://schemas.microsoft.com/office/drawing/2014/main" id="{8523F67D-0BD7-4E75-B5FD-37EF9773C17B}"/>
+              </a:ext>
+            </a:extLst>
+          </p:cNvPr>
+          <p:cNvSpPr>
+            <a:spLocks noGrp="1"/>
+          </p:cNvSpPr>
+          <p:nvPr>
+            <p:ph type="title"/>
+          </p:nvPr>
+        </p:nvSpPr>
+        <p:spPr/>
+        <p:txBody>
+          <a:bodyPr/>
+          <a:lstStyle/>
+          <a:p>
+            <a:endParaRPr lang="en-US"/>
+          </a:p>
+        </p:txBody>
+      </p:sp>
+      <p:sp>
+        <p:nvSpPr>
+          <p:cNvPr id="3" name="Content Placeholder 2">
+            <a:extLst>
+              <a:ext uri="{FF2B5EF4-FFF2-40B4-BE49-F238E27FC236}">
+                <a16:creationId xmlns:a16="http://schemas.microsoft.com/office/drawing/2014/main" id="{B895DE13-1ACD-42C1-936A-CE2D826F3751}"/>
+              </a:ext>
+            </a:extLst>
+          </p:cNvPr>
+          <p:cNvSpPr>
+            <a:spLocks noGrp="1"/>
+          </p:cNvSpPr>
+          <p:nvPr>
+            <p:ph idx="1"/>
+          </p:nvPr>
+        </p:nvSpPr>
+        <p:spPr/>
+        <p:txBody>
+          <a:bodyPr/>
+          <a:lstStyle/>
+          <a:p>
+            <a:endParaRPr lang="en-US"/>
+          </a:p>
+        </p:txBody>
+      </p:sp>
+    </p:spTree>
+    <p:extLst>
+      <p:ext uri="{BB962C8B-B14F-4D97-AF65-F5344CB8AC3E}">
+        <p14:creationId xmlns:p14="http://schemas.microsoft.com/office/powerpoint/2010/main" val="843047521"/>
+      </p:ext>
+    </p:extLst>
+  </p:cSld>
+  <p:clrMapOvr>
+    <a:masterClrMapping/>
+  </p:clrMapOvr>
+</p:sld>
+</file>
+
+<file path=ppt/slides/slide23.xml><?xml version="1.0" encoding="utf-8"?>
+<p:sld xmlns:a="http://schemas.openxmlformats.org/drawingml/2006/main" xmlns:r="http://schemas.openxmlformats.org/officeDocument/2006/relationships" xmlns:p="http://schemas.openxmlformats.org/presentationml/2006/main">
+  <p:cSld>
+    <p:spTree>
+      <p:nvGrpSpPr>
+        <p:cNvPr id="1" name=""/>
+        <p:cNvGrpSpPr/>
+        <p:nvPr/>
+      </p:nvGrpSpPr>
+      <p:grpSpPr>
+        <a:xfrm>
+          <a:off x="0" y="0"/>
+          <a:ext cx="0" cy="0"/>
+          <a:chOff x="0" y="0"/>
+          <a:chExt cx="0" cy="0"/>
+        </a:xfrm>
+      </p:grpSpPr>
+      <p:sp>
+        <p:nvSpPr>
+          <p:cNvPr id="2" name="Title 1">
+            <a:extLst>
+              <a:ext uri="{FF2B5EF4-FFF2-40B4-BE49-F238E27FC236}">
+                <a16:creationId xmlns:a16="http://schemas.microsoft.com/office/drawing/2014/main" id="{20B2CEA8-3587-40FF-A78A-8196068BFD36}"/>
+              </a:ext>
+            </a:extLst>
+          </p:cNvPr>
+          <p:cNvSpPr>
+            <a:spLocks noGrp="1"/>
+          </p:cNvSpPr>
+          <p:nvPr>
+            <p:ph type="title"/>
+          </p:nvPr>
+        </p:nvSpPr>
+        <p:spPr/>
+        <p:txBody>
+          <a:bodyPr/>
+          <a:lstStyle/>
+          <a:p>
+            <a:endParaRPr lang="en-US"/>
+          </a:p>
+        </p:txBody>
+      </p:sp>
+      <p:sp>
+        <p:nvSpPr>
+          <p:cNvPr id="3" name="Content Placeholder 2">
+            <a:extLst>
+              <a:ext uri="{FF2B5EF4-FFF2-40B4-BE49-F238E27FC236}">
+                <a16:creationId xmlns:a16="http://schemas.microsoft.com/office/drawing/2014/main" id="{D577A860-289E-4815-A6C3-0BE4CF74C3D6}"/>
+              </a:ext>
+            </a:extLst>
+          </p:cNvPr>
+          <p:cNvSpPr>
+            <a:spLocks noGrp="1"/>
+          </p:cNvSpPr>
+          <p:nvPr>
+            <p:ph idx="1"/>
+          </p:nvPr>
+        </p:nvSpPr>
+        <p:spPr/>
+        <p:txBody>
+          <a:bodyPr/>
+          <a:lstStyle/>
+          <a:p>
+            <a:endParaRPr lang="en-US"/>
+          </a:p>
+        </p:txBody>
+      </p:sp>
+    </p:spTree>
+    <p:extLst>
+      <p:ext uri="{BB962C8B-B14F-4D97-AF65-F5344CB8AC3E}">
+        <p14:creationId xmlns:p14="http://schemas.microsoft.com/office/powerpoint/2010/main" val="4120250731"/>
+      </p:ext>
+    </p:extLst>
+  </p:cSld>
+  <p:clrMapOvr>
+    <a:masterClrMapping/>
+  </p:clrMapOvr>
+</p:sld>
+</file>
+
+<file path=ppt/slides/slide24.xml><?xml version="1.0" encoding="utf-8"?>
+<p:sld xmlns:a="http://schemas.openxmlformats.org/drawingml/2006/main" xmlns:r="http://schemas.openxmlformats.org/officeDocument/2006/relationships" xmlns:p="http://schemas.openxmlformats.org/presentationml/2006/main">
+  <p:cSld>
+    <p:spTree>
+      <p:nvGrpSpPr>
+        <p:cNvPr id="1" name=""/>
+        <p:cNvGrpSpPr/>
+        <p:nvPr/>
+      </p:nvGrpSpPr>
+      <p:grpSpPr>
+        <a:xfrm>
+          <a:off x="0" y="0"/>
+          <a:ext cx="0" cy="0"/>
+          <a:chOff x="0" y="0"/>
+          <a:chExt cx="0" cy="0"/>
+        </a:xfrm>
+      </p:grpSpPr>
+      <p:sp>
+        <p:nvSpPr>
+          <p:cNvPr id="2" name="Title 1">
+            <a:extLst>
+              <a:ext uri="{FF2B5EF4-FFF2-40B4-BE49-F238E27FC236}">
+                <a16:creationId xmlns:a16="http://schemas.microsoft.com/office/drawing/2014/main" id="{C4385B47-99DE-438F-9322-85AAF7C235DC}"/>
+              </a:ext>
+            </a:extLst>
+          </p:cNvPr>
+          <p:cNvSpPr>
+            <a:spLocks noGrp="1"/>
+          </p:cNvSpPr>
+          <p:nvPr>
+            <p:ph type="title"/>
+          </p:nvPr>
+        </p:nvSpPr>
+        <p:spPr/>
+        <p:txBody>
+          <a:bodyPr/>
+          <a:lstStyle/>
+          <a:p>
+            <a:endParaRPr lang="en-US"/>
+          </a:p>
+        </p:txBody>
+      </p:sp>
+      <p:sp>
+        <p:nvSpPr>
+          <p:cNvPr id="3" name="Content Placeholder 2">
+            <a:extLst>
+              <a:ext uri="{FF2B5EF4-FFF2-40B4-BE49-F238E27FC236}">
+                <a16:creationId xmlns:a16="http://schemas.microsoft.com/office/drawing/2014/main" id="{9528E8B5-87F3-4B1E-AE52-7D95CE07EDE8}"/>
+              </a:ext>
+            </a:extLst>
+          </p:cNvPr>
+          <p:cNvSpPr>
+            <a:spLocks noGrp="1"/>
+          </p:cNvSpPr>
+          <p:nvPr>
+            <p:ph idx="1"/>
+          </p:nvPr>
+        </p:nvSpPr>
+        <p:spPr/>
+        <p:txBody>
+          <a:bodyPr/>
+          <a:lstStyle/>
+          <a:p>
+            <a:endParaRPr lang="en-US"/>
+          </a:p>
+        </p:txBody>
+      </p:sp>
+    </p:spTree>
+    <p:extLst>
+      <p:ext uri="{BB962C8B-B14F-4D97-AF65-F5344CB8AC3E}">
+        <p14:creationId xmlns:p14="http://schemas.microsoft.com/office/powerpoint/2010/main" val="3623646971"/>
       </p:ext>
     </p:extLst>
   </p:cSld>
@@ -4419,22 +5171,21 @@
           <a:lstStyle/>
           <a:p>
             <a:r>
-              <a:rPr lang="en-US" dirty="0" err="1" smtClean="0"/>
+              <a:rPr lang="en-US" dirty="0" err="1"/>
               <a:t>Phân</a:t>
             </a:r>
             <a:r>
-              <a:rPr lang="en-US" dirty="0" smtClean="0"/>
+              <a:rPr lang="en-US" dirty="0"/>
               <a:t> </a:t>
             </a:r>
             <a:r>
-              <a:rPr lang="en-US" dirty="0" err="1" smtClean="0"/>
+              <a:rPr lang="en-US" dirty="0" err="1"/>
               <a:t>quyền</a:t>
             </a:r>
             <a:r>
-              <a:rPr lang="en-US" dirty="0" smtClean="0"/>
+              <a:rPr lang="en-US" dirty="0"/>
               <a:t> User.</a:t>
             </a:r>
-            <a:endParaRPr lang="en-US" dirty="0"/>
           </a:p>
         </p:txBody>
       </p:sp>
@@ -4450,8 +5201,8 @@
         </p:nvSpPr>
         <p:spPr>
           <a:xfrm>
-            <a:off x="231531" y="1218956"/>
-            <a:ext cx="10515600" cy="812067"/>
+            <a:off x="231531" y="1151794"/>
+            <a:ext cx="10515600" cy="597108"/>
           </a:xfrm>
         </p:spPr>
         <p:txBody>
@@ -4542,30 +5293,29 @@
           <a:lstStyle/>
           <a:p>
             <a:r>
-              <a:rPr lang="en-US" dirty="0" err="1" smtClean="0"/>
+              <a:rPr lang="en-US" dirty="0" err="1"/>
               <a:t>Vai</a:t>
             </a:r>
             <a:r>
-              <a:rPr lang="en-US" dirty="0" smtClean="0"/>
+              <a:rPr lang="en-US" dirty="0"/>
               <a:t> </a:t>
             </a:r>
             <a:r>
-              <a:rPr lang="en-US" dirty="0" err="1" smtClean="0"/>
+              <a:rPr lang="en-US" dirty="0" err="1"/>
               <a:t>trò</a:t>
             </a:r>
             <a:r>
-              <a:rPr lang="en-US" dirty="0" smtClean="0"/>
+              <a:rPr lang="en-US" dirty="0"/>
               <a:t> </a:t>
             </a:r>
             <a:r>
-              <a:rPr lang="en-US" dirty="0" err="1" smtClean="0"/>
+              <a:rPr lang="en-US" dirty="0" err="1"/>
               <a:t>của</a:t>
             </a:r>
             <a:r>
-              <a:rPr lang="en-US" dirty="0" smtClean="0"/>
+              <a:rPr lang="en-US" dirty="0"/>
               <a:t> User.</a:t>
             </a:r>
-            <a:endParaRPr lang="en-US" dirty="0"/>
           </a:p>
         </p:txBody>
       </p:sp>
@@ -4636,7 +5386,7 @@
         </p:nvSpPr>
         <p:spPr>
           <a:xfrm>
-            <a:off x="7290758" y="4897315"/>
+            <a:off x="7256059" y="4947531"/>
             <a:ext cx="1165505" cy="369332"/>
           </a:xfrm>
           <a:prstGeom prst="rect">
@@ -4651,22 +5401,56 @@
           <a:lstStyle/>
           <a:p>
             <a:r>
-              <a:rPr lang="en-US" dirty="0" err="1" smtClean="0"/>
+              <a:rPr lang="en-US" dirty="0" err="1"/>
               <a:t>Quản</a:t>
             </a:r>
             <a:r>
-              <a:rPr lang="en-US" dirty="0" smtClean="0"/>
+              <a:rPr lang="en-US" dirty="0"/>
               <a:t> </a:t>
             </a:r>
             <a:r>
-              <a:rPr lang="en-US" dirty="0" err="1" smtClean="0"/>
+              <a:rPr lang="en-US" dirty="0" err="1"/>
               <a:t>lý</a:t>
             </a:r>
             <a:r>
-              <a:rPr lang="en-US" dirty="0" smtClean="0"/>
+              <a:rPr lang="en-US" dirty="0"/>
               <a:t>.</a:t>
             </a:r>
-            <a:endParaRPr lang="en-US" dirty="0"/>
+          </a:p>
+        </p:txBody>
+      </p:sp>
+      <p:sp>
+        <p:nvSpPr>
+          <p:cNvPr id="2" name="TextBox 1">
+            <a:extLst>
+              <a:ext uri="{FF2B5EF4-FFF2-40B4-BE49-F238E27FC236}">
+                <a16:creationId xmlns:a16="http://schemas.microsoft.com/office/drawing/2014/main" id="{0D563B65-71B2-43CF-98C3-88EE484B23D1}"/>
+              </a:ext>
+            </a:extLst>
+          </p:cNvPr>
+          <p:cNvSpPr txBox="1"/>
+          <p:nvPr/>
+        </p:nvSpPr>
+        <p:spPr>
+          <a:xfrm>
+            <a:off x="8327254" y="4941018"/>
+            <a:ext cx="3524435" cy="369332"/>
+          </a:xfrm>
+          <a:prstGeom prst="rect">
+            <a:avLst/>
+          </a:prstGeom>
+          <a:noFill/>
+        </p:spPr>
+        <p:txBody>
+          <a:bodyPr wrap="square" rtlCol="0">
+            <a:spAutoFit/>
+          </a:bodyPr>
+          <a:lstStyle/>
+          <a:p>
+            <a:r>
+              <a:rPr lang="en-US"/>
+              <a:t>Quyền cao nhất, tác động đến Code</a:t>
+            </a:r>
           </a:p>
         </p:txBody>
       </p:sp>
@@ -4700,53 +5484,233 @@
           <a:chExt cx="0" cy="0"/>
         </a:xfrm>
       </p:grpSpPr>
-      <p:sp>
-        <p:nvSpPr>
-          <p:cNvPr id="2" name="Title 1">
-            <a:extLst>
-              <a:ext uri="{FF2B5EF4-FFF2-40B4-BE49-F238E27FC236}">
-                <a16:creationId xmlns:a16="http://schemas.microsoft.com/office/drawing/2014/main" id="{E3FF7D9F-460A-4808-8C5B-0424A47027E0}"/>
-              </a:ext>
-            </a:extLst>
-          </p:cNvPr>
-          <p:cNvSpPr>
-            <a:spLocks noGrp="1"/>
-          </p:cNvSpPr>
-          <p:nvPr>
-            <p:ph type="title"/>
-          </p:nvPr>
-        </p:nvSpPr>
-        <p:spPr/>
-        <p:txBody>
-          <a:bodyPr/>
-          <a:lstStyle/>
-          <a:p>
-            <a:endParaRPr lang="en-US"/>
-          </a:p>
-        </p:txBody>
-      </p:sp>
-      <p:sp>
-        <p:nvSpPr>
-          <p:cNvPr id="3" name="Content Placeholder 2">
-            <a:extLst>
-              <a:ext uri="{FF2B5EF4-FFF2-40B4-BE49-F238E27FC236}">
-                <a16:creationId xmlns:a16="http://schemas.microsoft.com/office/drawing/2014/main" id="{D6FCE3E6-9654-4CBF-A317-317C3690405B}"/>
-              </a:ext>
-            </a:extLst>
-          </p:cNvPr>
-          <p:cNvSpPr>
-            <a:spLocks noGrp="1"/>
-          </p:cNvSpPr>
-          <p:nvPr>
-            <p:ph idx="1"/>
-          </p:nvPr>
-        </p:nvSpPr>
-        <p:spPr/>
-        <p:txBody>
-          <a:bodyPr/>
-          <a:lstStyle/>
-          <a:p>
-            <a:endParaRPr lang="en-US"/>
+      <p:pic>
+        <p:nvPicPr>
+          <p:cNvPr id="4" name="Picture 3">
+            <a:extLst>
+              <a:ext uri="{FF2B5EF4-FFF2-40B4-BE49-F238E27FC236}">
+                <a16:creationId xmlns:a16="http://schemas.microsoft.com/office/drawing/2014/main" id="{2FB6C523-CEB5-4F87-99C8-D84BB394916F}"/>
+              </a:ext>
+            </a:extLst>
+          </p:cNvPr>
+          <p:cNvPicPr>
+            <a:picLocks noChangeAspect="1"/>
+          </p:cNvPicPr>
+          <p:nvPr/>
+        </p:nvPicPr>
+        <p:blipFill>
+          <a:blip r:embed="rId2"/>
+          <a:stretch>
+            <a:fillRect/>
+          </a:stretch>
+        </p:blipFill>
+        <p:spPr>
+          <a:xfrm>
+            <a:off x="144634" y="130942"/>
+            <a:ext cx="6850970" cy="4740677"/>
+          </a:xfrm>
+          <a:prstGeom prst="rect">
+            <a:avLst/>
+          </a:prstGeom>
+        </p:spPr>
+      </p:pic>
+      <p:pic>
+        <p:nvPicPr>
+          <p:cNvPr id="5" name="Picture 4">
+            <a:extLst>
+              <a:ext uri="{FF2B5EF4-FFF2-40B4-BE49-F238E27FC236}">
+                <a16:creationId xmlns:a16="http://schemas.microsoft.com/office/drawing/2014/main" id="{EE258E85-3519-411D-BECE-4F6237071DD1}"/>
+              </a:ext>
+            </a:extLst>
+          </p:cNvPr>
+          <p:cNvPicPr>
+            <a:picLocks noChangeAspect="1"/>
+          </p:cNvPicPr>
+          <p:nvPr/>
+        </p:nvPicPr>
+        <p:blipFill>
+          <a:blip r:embed="rId3"/>
+          <a:stretch>
+            <a:fillRect/>
+          </a:stretch>
+        </p:blipFill>
+        <p:spPr>
+          <a:xfrm>
+            <a:off x="144634" y="4871619"/>
+            <a:ext cx="6415965" cy="1819924"/>
+          </a:xfrm>
+          <a:prstGeom prst="rect">
+            <a:avLst/>
+          </a:prstGeom>
+        </p:spPr>
+      </p:pic>
+      <p:sp>
+        <p:nvSpPr>
+          <p:cNvPr id="6" name="TextBox 5">
+            <a:extLst>
+              <a:ext uri="{FF2B5EF4-FFF2-40B4-BE49-F238E27FC236}">
+                <a16:creationId xmlns:a16="http://schemas.microsoft.com/office/drawing/2014/main" id="{42F31027-2844-4550-A3AD-3F1B644366B6}"/>
+              </a:ext>
+            </a:extLst>
+          </p:cNvPr>
+          <p:cNvSpPr txBox="1"/>
+          <p:nvPr/>
+        </p:nvSpPr>
+        <p:spPr>
+          <a:xfrm>
+            <a:off x="7235301" y="119919"/>
+            <a:ext cx="4261282" cy="369332"/>
+          </a:xfrm>
+          <a:prstGeom prst="rect">
+            <a:avLst/>
+          </a:prstGeom>
+          <a:noFill/>
+        </p:spPr>
+        <p:txBody>
+          <a:bodyPr wrap="square" rtlCol="0">
+            <a:spAutoFit/>
+          </a:bodyPr>
+          <a:lstStyle/>
+          <a:p>
+            <a:r>
+              <a:rPr lang="en-US"/>
+              <a:t>Quyền của User trong website WordPress</a:t>
+            </a:r>
+          </a:p>
+        </p:txBody>
+      </p:sp>
+      <p:pic>
+        <p:nvPicPr>
+          <p:cNvPr id="7" name="Picture 6">
+            <a:extLst>
+              <a:ext uri="{FF2B5EF4-FFF2-40B4-BE49-F238E27FC236}">
+                <a16:creationId xmlns:a16="http://schemas.microsoft.com/office/drawing/2014/main" id="{62B629DB-AB33-4458-9840-62E080179E2D}"/>
+              </a:ext>
+            </a:extLst>
+          </p:cNvPr>
+          <p:cNvPicPr>
+            <a:picLocks noChangeAspect="1"/>
+          </p:cNvPicPr>
+          <p:nvPr/>
+        </p:nvPicPr>
+        <p:blipFill>
+          <a:blip r:embed="rId4"/>
+          <a:stretch>
+            <a:fillRect/>
+          </a:stretch>
+        </p:blipFill>
+        <p:spPr>
+          <a:xfrm>
+            <a:off x="6995604" y="1285874"/>
+            <a:ext cx="4740676" cy="4648849"/>
+          </a:xfrm>
+          <a:prstGeom prst="rect">
+            <a:avLst/>
+          </a:prstGeom>
+        </p:spPr>
+      </p:pic>
+      <p:sp>
+        <p:nvSpPr>
+          <p:cNvPr id="8" name="TextBox 7">
+            <a:extLst>
+              <a:ext uri="{FF2B5EF4-FFF2-40B4-BE49-F238E27FC236}">
+                <a16:creationId xmlns:a16="http://schemas.microsoft.com/office/drawing/2014/main" id="{73F77D23-BBD1-4337-8A0D-7DA6F6492157}"/>
+              </a:ext>
+            </a:extLst>
+          </p:cNvPr>
+          <p:cNvSpPr txBox="1"/>
+          <p:nvPr/>
+        </p:nvSpPr>
+        <p:spPr>
+          <a:xfrm>
+            <a:off x="10280342" y="3844030"/>
+            <a:ext cx="1597980" cy="369332"/>
+          </a:xfrm>
+          <a:prstGeom prst="rect">
+            <a:avLst/>
+          </a:prstGeom>
+          <a:noFill/>
+        </p:spPr>
+        <p:txBody>
+          <a:bodyPr wrap="square" rtlCol="0">
+            <a:spAutoFit/>
+          </a:bodyPr>
+          <a:lstStyle/>
+          <a:p>
+            <a:r>
+              <a:rPr lang="en-US"/>
+              <a:t>Biên tập viên</a:t>
+            </a:r>
+          </a:p>
+        </p:txBody>
+      </p:sp>
+      <p:sp>
+        <p:nvSpPr>
+          <p:cNvPr id="9" name="TextBox 8">
+            <a:extLst>
+              <a:ext uri="{FF2B5EF4-FFF2-40B4-BE49-F238E27FC236}">
+                <a16:creationId xmlns:a16="http://schemas.microsoft.com/office/drawing/2014/main" id="{165DFB66-AE8D-4C50-8871-66368FD06359}"/>
+              </a:ext>
+            </a:extLst>
+          </p:cNvPr>
+          <p:cNvSpPr txBox="1"/>
+          <p:nvPr/>
+        </p:nvSpPr>
+        <p:spPr>
+          <a:xfrm>
+            <a:off x="10076154" y="2829304"/>
+            <a:ext cx="1509205" cy="369332"/>
+          </a:xfrm>
+          <a:prstGeom prst="rect">
+            <a:avLst/>
+          </a:prstGeom>
+          <a:noFill/>
+        </p:spPr>
+        <p:txBody>
+          <a:bodyPr wrap="square" rtlCol="0">
+            <a:spAutoFit/>
+          </a:bodyPr>
+          <a:lstStyle/>
+          <a:p>
+            <a:r>
+              <a:rPr lang="en-US"/>
+              <a:t>Quyền tác giả</a:t>
+            </a:r>
+          </a:p>
+        </p:txBody>
+      </p:sp>
+      <p:sp>
+        <p:nvSpPr>
+          <p:cNvPr id="10" name="TextBox 9">
+            <a:extLst>
+              <a:ext uri="{FF2B5EF4-FFF2-40B4-BE49-F238E27FC236}">
+                <a16:creationId xmlns:a16="http://schemas.microsoft.com/office/drawing/2014/main" id="{78A85F3C-CD1E-4EBF-87CD-4AFB581508B9}"/>
+              </a:ext>
+            </a:extLst>
+          </p:cNvPr>
+          <p:cNvSpPr txBox="1"/>
+          <p:nvPr/>
+        </p:nvSpPr>
+        <p:spPr>
+          <a:xfrm>
+            <a:off x="7403977" y="640480"/>
+            <a:ext cx="4065973" cy="646331"/>
+          </a:xfrm>
+          <a:prstGeom prst="rect">
+            <a:avLst/>
+          </a:prstGeom>
+          <a:noFill/>
+        </p:spPr>
+        <p:txBody>
+          <a:bodyPr wrap="square" rtlCol="0">
+            <a:spAutoFit/>
+          </a:bodyPr>
+          <a:lstStyle/>
+          <a:p>
+            <a:r>
+              <a:rPr lang="en-US"/>
+              <a:t>Quyền của cộng tác viên: kiểm tra lỗi chính tả bài viết của tác giả.</a:t>
+            </a:r>
           </a:p>
         </p:txBody>
       </p:sp>
@@ -4780,53 +5744,76 @@
           <a:chExt cx="0" cy="0"/>
         </a:xfrm>
       </p:grpSpPr>
-      <p:sp>
-        <p:nvSpPr>
-          <p:cNvPr id="2" name="Title 1">
-            <a:extLst>
-              <a:ext uri="{FF2B5EF4-FFF2-40B4-BE49-F238E27FC236}">
-                <a16:creationId xmlns:a16="http://schemas.microsoft.com/office/drawing/2014/main" id="{1AA24F30-8BD2-47BF-8A97-F61A0F36E222}"/>
-              </a:ext>
-            </a:extLst>
-          </p:cNvPr>
-          <p:cNvSpPr>
-            <a:spLocks noGrp="1"/>
-          </p:cNvSpPr>
-          <p:nvPr>
-            <p:ph type="title"/>
-          </p:nvPr>
-        </p:nvSpPr>
-        <p:spPr/>
-        <p:txBody>
-          <a:bodyPr/>
-          <a:lstStyle/>
-          <a:p>
-            <a:endParaRPr lang="en-US"/>
-          </a:p>
-        </p:txBody>
-      </p:sp>
-      <p:sp>
-        <p:nvSpPr>
-          <p:cNvPr id="3" name="Content Placeholder 2">
-            <a:extLst>
-              <a:ext uri="{FF2B5EF4-FFF2-40B4-BE49-F238E27FC236}">
-                <a16:creationId xmlns:a16="http://schemas.microsoft.com/office/drawing/2014/main" id="{5C63AC89-E953-4A27-A456-70612CFB9393}"/>
-              </a:ext>
-            </a:extLst>
-          </p:cNvPr>
-          <p:cNvSpPr>
-            <a:spLocks noGrp="1"/>
-          </p:cNvSpPr>
-          <p:nvPr>
-            <p:ph idx="1"/>
-          </p:nvPr>
-        </p:nvSpPr>
-        <p:spPr/>
-        <p:txBody>
-          <a:bodyPr/>
-          <a:lstStyle/>
-          <a:p>
-            <a:endParaRPr lang="en-US"/>
+      <p:pic>
+        <p:nvPicPr>
+          <p:cNvPr id="4" name="Picture 3">
+            <a:extLst>
+              <a:ext uri="{FF2B5EF4-FFF2-40B4-BE49-F238E27FC236}">
+                <a16:creationId xmlns:a16="http://schemas.microsoft.com/office/drawing/2014/main" id="{13DFA478-6D56-4267-A5AB-CEE8D15E62C8}"/>
+              </a:ext>
+            </a:extLst>
+          </p:cNvPr>
+          <p:cNvPicPr>
+            <a:picLocks noChangeAspect="1"/>
+          </p:cNvPicPr>
+          <p:nvPr/>
+        </p:nvPicPr>
+        <p:blipFill>
+          <a:blip r:embed="rId2"/>
+          <a:stretch>
+            <a:fillRect/>
+          </a:stretch>
+        </p:blipFill>
+        <p:spPr>
+          <a:xfrm>
+            <a:off x="327452" y="233173"/>
+            <a:ext cx="10649330" cy="2734057"/>
+          </a:xfrm>
+          <a:prstGeom prst="rect">
+            <a:avLst/>
+          </a:prstGeom>
+        </p:spPr>
+      </p:pic>
+      <p:sp>
+        <p:nvSpPr>
+          <p:cNvPr id="5" name="TextBox 4">
+            <a:extLst>
+              <a:ext uri="{FF2B5EF4-FFF2-40B4-BE49-F238E27FC236}">
+                <a16:creationId xmlns:a16="http://schemas.microsoft.com/office/drawing/2014/main" id="{DD23A1A6-D92E-49B1-85EC-B9A6AD7EC667}"/>
+              </a:ext>
+            </a:extLst>
+          </p:cNvPr>
+          <p:cNvSpPr txBox="1"/>
+          <p:nvPr/>
+        </p:nvSpPr>
+        <p:spPr>
+          <a:xfrm>
+            <a:off x="310718" y="3429000"/>
+            <a:ext cx="2982898" cy="369332"/>
+          </a:xfrm>
+          <a:prstGeom prst="rect">
+            <a:avLst/>
+          </a:prstGeom>
+          <a:noFill/>
+        </p:spPr>
+        <p:txBody>
+          <a:bodyPr wrap="square" rtlCol="0">
+            <a:spAutoFit/>
+          </a:bodyPr>
+          <a:lstStyle/>
+          <a:p>
+            <a:r>
+              <a:rPr lang="en-US"/>
+              <a:t>Phân quyền cho ng</a:t>
+            </a:r>
+            <a:r>
+              <a:rPr lang="vi-VN"/>
+              <a:t>ư</a:t>
+            </a:r>
+            <a:r>
+              <a:rPr lang="en-US"/>
+              <a:t>ời dùng.</a:t>
+            </a:r>
           </a:p>
         </p:txBody>
       </p:sp>
@@ -4876,12 +5863,20 @@
             <p:ph type="title"/>
           </p:nvPr>
         </p:nvSpPr>
-        <p:spPr/>
-        <p:txBody>
-          <a:bodyPr/>
-          <a:lstStyle/>
-          <a:p>
-            <a:endParaRPr lang="en-US"/>
+        <p:spPr>
+          <a:xfrm>
+            <a:off x="0" y="0"/>
+            <a:ext cx="10515600" cy="709073"/>
+          </a:xfrm>
+        </p:spPr>
+        <p:txBody>
+          <a:bodyPr/>
+          <a:lstStyle/>
+          <a:p>
+            <a:r>
+              <a:rPr lang="en-US"/>
+              <a:t>Phân quyền cho người dùng.</a:t>
+            </a:r>
           </a:p>
         </p:txBody>
       </p:sp>
@@ -4901,12 +5896,133 @@
             <p:ph idx="1"/>
           </p:nvPr>
         </p:nvSpPr>
-        <p:spPr/>
-        <p:txBody>
-          <a:bodyPr/>
-          <a:lstStyle/>
-          <a:p>
-            <a:endParaRPr lang="en-US"/>
+        <p:spPr>
+          <a:xfrm>
+            <a:off x="319596" y="874248"/>
+            <a:ext cx="5175682" cy="585926"/>
+          </a:xfrm>
+        </p:spPr>
+        <p:txBody>
+          <a:bodyPr/>
+          <a:lstStyle/>
+          <a:p>
+            <a:r>
+              <a:rPr lang="en-US"/>
+              <a:t>Phân quyền quản lý cửa hàng.</a:t>
+            </a:r>
+          </a:p>
+        </p:txBody>
+      </p:sp>
+      <p:sp>
+        <p:nvSpPr>
+          <p:cNvPr id="4" name="TextBox 3">
+            <a:extLst>
+              <a:ext uri="{FF2B5EF4-FFF2-40B4-BE49-F238E27FC236}">
+                <a16:creationId xmlns:a16="http://schemas.microsoft.com/office/drawing/2014/main" id="{D3A2D1C2-815A-4AC1-92BD-ED3751CEDC94}"/>
+              </a:ext>
+            </a:extLst>
+          </p:cNvPr>
+          <p:cNvSpPr txBox="1"/>
+          <p:nvPr/>
+        </p:nvSpPr>
+        <p:spPr>
+          <a:xfrm>
+            <a:off x="319596" y="2560788"/>
+            <a:ext cx="5678750" cy="369332"/>
+          </a:xfrm>
+          <a:prstGeom prst="rect">
+            <a:avLst/>
+          </a:prstGeom>
+          <a:noFill/>
+        </p:spPr>
+        <p:txBody>
+          <a:bodyPr wrap="square" rtlCol="0">
+            <a:spAutoFit/>
+          </a:bodyPr>
+          <a:lstStyle/>
+          <a:p>
+            <a:r>
+              <a:rPr lang="en-US"/>
+              <a:t>https://www.youtube.com/watch?v=vZk7vue4q20</a:t>
+            </a:r>
+          </a:p>
+        </p:txBody>
+      </p:sp>
+      <p:sp>
+        <p:nvSpPr>
+          <p:cNvPr id="5" name="TextBox 4">
+            <a:extLst>
+              <a:ext uri="{FF2B5EF4-FFF2-40B4-BE49-F238E27FC236}">
+                <a16:creationId xmlns:a16="http://schemas.microsoft.com/office/drawing/2014/main" id="{40F746D1-2D5C-4353-A10C-7E9601AC828F}"/>
+              </a:ext>
+            </a:extLst>
+          </p:cNvPr>
+          <p:cNvSpPr txBox="1"/>
+          <p:nvPr/>
+        </p:nvSpPr>
+        <p:spPr>
+          <a:xfrm>
+            <a:off x="319596" y="2120435"/>
+            <a:ext cx="2574524" cy="369332"/>
+          </a:xfrm>
+          <a:prstGeom prst="rect">
+            <a:avLst/>
+          </a:prstGeom>
+          <a:noFill/>
+        </p:spPr>
+        <p:txBody>
+          <a:bodyPr wrap="square" rtlCol="0">
+            <a:spAutoFit/>
+          </a:bodyPr>
+          <a:lstStyle/>
+          <a:p>
+            <a:r>
+              <a:rPr lang="en-US"/>
+              <a:t>Link video h</a:t>
+            </a:r>
+            <a:r>
+              <a:rPr lang="vi-VN"/>
+              <a:t>ư</a:t>
+            </a:r>
+            <a:r>
+              <a:rPr lang="en-US"/>
+              <a:t>ớng dẫn.</a:t>
+            </a:r>
+          </a:p>
+        </p:txBody>
+      </p:sp>
+      <p:sp>
+        <p:nvSpPr>
+          <p:cNvPr id="6" name="TextBox 5">
+            <a:extLst>
+              <a:ext uri="{FF2B5EF4-FFF2-40B4-BE49-F238E27FC236}">
+                <a16:creationId xmlns:a16="http://schemas.microsoft.com/office/drawing/2014/main" id="{6ADAD35C-FBE2-4BEC-8329-99A845BA9851}"/>
+              </a:ext>
+            </a:extLst>
+          </p:cNvPr>
+          <p:cNvSpPr txBox="1"/>
+          <p:nvPr/>
+        </p:nvSpPr>
+        <p:spPr>
+          <a:xfrm>
+            <a:off x="5257800" y="709073"/>
+            <a:ext cx="6640497" cy="646331"/>
+          </a:xfrm>
+          <a:prstGeom prst="rect">
+            <a:avLst/>
+          </a:prstGeom>
+          <a:noFill/>
+        </p:spPr>
+        <p:txBody>
+          <a:bodyPr wrap="square" rtlCol="0">
+            <a:spAutoFit/>
+          </a:bodyPr>
+          <a:lstStyle/>
+          <a:p>
+            <a:r>
+              <a:rPr lang="en-US"/>
+              <a:t>Chỉ có quyền xem giao diện, ko đc phép chỉnh sửa giao diện hay Plugin.</a:t>
+            </a:r>
           </a:p>
         </p:txBody>
       </p:sp>
@@ -4956,12 +6072,20 @@
             <p:ph type="title"/>
           </p:nvPr>
         </p:nvSpPr>
-        <p:spPr/>
-        <p:txBody>
-          <a:bodyPr/>
-          <a:lstStyle/>
-          <a:p>
-            <a:endParaRPr lang="en-US"/>
+        <p:spPr>
+          <a:xfrm>
+            <a:off x="168676" y="169080"/>
+            <a:ext cx="8442664" cy="781235"/>
+          </a:xfrm>
+        </p:spPr>
+        <p:txBody>
+          <a:bodyPr/>
+          <a:lstStyle/>
+          <a:p>
+            <a:r>
+              <a:rPr lang="en-US"/>
+              <a:t>Phân quyền User sử dụng Plugin:</a:t>
+            </a:r>
           </a:p>
         </p:txBody>
       </p:sp>
@@ -4981,15 +6105,113 @@
             <p:ph idx="1"/>
           </p:nvPr>
         </p:nvSpPr>
-        <p:spPr/>
-        <p:txBody>
-          <a:bodyPr/>
-          <a:lstStyle/>
-          <a:p>
-            <a:endParaRPr lang="en-US"/>
-          </a:p>
-        </p:txBody>
-      </p:sp>
+        <p:spPr>
+          <a:xfrm>
+            <a:off x="305540" y="1286120"/>
+            <a:ext cx="10515600" cy="660123"/>
+          </a:xfrm>
+        </p:spPr>
+        <p:txBody>
+          <a:bodyPr/>
+          <a:lstStyle/>
+          <a:p>
+            <a:r>
+              <a:rPr lang="en-US"/>
+              <a:t>https://www.youtube.com/watch?v=mRq83vqzoWE</a:t>
+            </a:r>
+          </a:p>
+        </p:txBody>
+      </p:sp>
+      <p:pic>
+        <p:nvPicPr>
+          <p:cNvPr id="4" name="Picture 3">
+            <a:extLst>
+              <a:ext uri="{FF2B5EF4-FFF2-40B4-BE49-F238E27FC236}">
+                <a16:creationId xmlns:a16="http://schemas.microsoft.com/office/drawing/2014/main" id="{978DD07E-759D-4C49-A914-CD6B2E96BA7F}"/>
+              </a:ext>
+            </a:extLst>
+          </p:cNvPr>
+          <p:cNvPicPr>
+            <a:picLocks noChangeAspect="1"/>
+          </p:cNvPicPr>
+          <p:nvPr/>
+        </p:nvPicPr>
+        <p:blipFill>
+          <a:blip r:embed="rId2"/>
+          <a:stretch>
+            <a:fillRect/>
+          </a:stretch>
+        </p:blipFill>
+        <p:spPr>
+          <a:xfrm>
+            <a:off x="1252947" y="2226843"/>
+            <a:ext cx="5106113" cy="857370"/>
+          </a:xfrm>
+          <a:prstGeom prst="rect">
+            <a:avLst/>
+          </a:prstGeom>
+        </p:spPr>
+      </p:pic>
+      <p:pic>
+        <p:nvPicPr>
+          <p:cNvPr id="5" name="Picture 4">
+            <a:extLst>
+              <a:ext uri="{FF2B5EF4-FFF2-40B4-BE49-F238E27FC236}">
+                <a16:creationId xmlns:a16="http://schemas.microsoft.com/office/drawing/2014/main" id="{1B6968D6-0839-43E2-BC16-A0379DADD0E0}"/>
+              </a:ext>
+            </a:extLst>
+          </p:cNvPr>
+          <p:cNvPicPr>
+            <a:picLocks noChangeAspect="1"/>
+          </p:cNvPicPr>
+          <p:nvPr/>
+        </p:nvPicPr>
+        <p:blipFill>
+          <a:blip r:embed="rId3"/>
+          <a:stretch>
+            <a:fillRect/>
+          </a:stretch>
+        </p:blipFill>
+        <p:spPr>
+          <a:xfrm>
+            <a:off x="1191027" y="3773787"/>
+            <a:ext cx="5229955" cy="2133898"/>
+          </a:xfrm>
+          <a:prstGeom prst="rect">
+            <a:avLst/>
+          </a:prstGeom>
+        </p:spPr>
+      </p:pic>
+      <p:pic>
+        <p:nvPicPr>
+          <p:cNvPr id="6" name="Picture 5">
+            <a:extLst>
+              <a:ext uri="{FF2B5EF4-FFF2-40B4-BE49-F238E27FC236}">
+                <a16:creationId xmlns:a16="http://schemas.microsoft.com/office/drawing/2014/main" id="{B496F7DE-B5B4-40C5-8A7F-F77B05C3E657}"/>
+              </a:ext>
+            </a:extLst>
+          </p:cNvPr>
+          <p:cNvPicPr>
+            <a:picLocks noChangeAspect="1"/>
+          </p:cNvPicPr>
+          <p:nvPr/>
+        </p:nvPicPr>
+        <p:blipFill>
+          <a:blip r:embed="rId4"/>
+          <a:stretch>
+            <a:fillRect/>
+          </a:stretch>
+        </p:blipFill>
+        <p:spPr>
+          <a:xfrm>
+            <a:off x="4734573" y="2516970"/>
+            <a:ext cx="6611273" cy="847843"/>
+          </a:xfrm>
+          <a:prstGeom prst="rect">
+            <a:avLst/>
+          </a:prstGeom>
+        </p:spPr>
+      </p:pic>
     </p:spTree>
     <p:extLst>
       <p:ext uri="{BB962C8B-B14F-4D97-AF65-F5344CB8AC3E}">

--- a/Quản trị người dùng sử dụng trang website, quản trị đơn hàng.pptx
+++ b/Quản trị người dùng sử dụng trang website, quản trị đơn hàng.pptx
@@ -282,7 +282,7 @@
           <a:p>
             <a:fld id="{2DCBD7F6-55E2-42E0-A29B-00EE06C6C13E}" type="datetimeFigureOut">
               <a:rPr lang="en-US" smtClean="0"/>
-              <a:t>09/10/2024</a:t>
+              <a:t>10/10/2024</a:t>
             </a:fld>
             <a:endParaRPr lang="en-US"/>
           </a:p>
@@ -480,7 +480,7 @@
           <a:p>
             <a:fld id="{2DCBD7F6-55E2-42E0-A29B-00EE06C6C13E}" type="datetimeFigureOut">
               <a:rPr lang="en-US" smtClean="0"/>
-              <a:t>09/10/2024</a:t>
+              <a:t>10/10/2024</a:t>
             </a:fld>
             <a:endParaRPr lang="en-US"/>
           </a:p>
@@ -688,7 +688,7 @@
           <a:p>
             <a:fld id="{2DCBD7F6-55E2-42E0-A29B-00EE06C6C13E}" type="datetimeFigureOut">
               <a:rPr lang="en-US" smtClean="0"/>
-              <a:t>09/10/2024</a:t>
+              <a:t>10/10/2024</a:t>
             </a:fld>
             <a:endParaRPr lang="en-US"/>
           </a:p>
@@ -886,7 +886,7 @@
           <a:p>
             <a:fld id="{2DCBD7F6-55E2-42E0-A29B-00EE06C6C13E}" type="datetimeFigureOut">
               <a:rPr lang="en-US" smtClean="0"/>
-              <a:t>09/10/2024</a:t>
+              <a:t>10/10/2024</a:t>
             </a:fld>
             <a:endParaRPr lang="en-US"/>
           </a:p>
@@ -1161,7 +1161,7 @@
           <a:p>
             <a:fld id="{2DCBD7F6-55E2-42E0-A29B-00EE06C6C13E}" type="datetimeFigureOut">
               <a:rPr lang="en-US" smtClean="0"/>
-              <a:t>09/10/2024</a:t>
+              <a:t>10/10/2024</a:t>
             </a:fld>
             <a:endParaRPr lang="en-US"/>
           </a:p>
@@ -1426,7 +1426,7 @@
           <a:p>
             <a:fld id="{2DCBD7F6-55E2-42E0-A29B-00EE06C6C13E}" type="datetimeFigureOut">
               <a:rPr lang="en-US" smtClean="0"/>
-              <a:t>09/10/2024</a:t>
+              <a:t>10/10/2024</a:t>
             </a:fld>
             <a:endParaRPr lang="en-US"/>
           </a:p>
@@ -1838,7 +1838,7 @@
           <a:p>
             <a:fld id="{2DCBD7F6-55E2-42E0-A29B-00EE06C6C13E}" type="datetimeFigureOut">
               <a:rPr lang="en-US" smtClean="0"/>
-              <a:t>09/10/2024</a:t>
+              <a:t>10/10/2024</a:t>
             </a:fld>
             <a:endParaRPr lang="en-US"/>
           </a:p>
@@ -1979,7 +1979,7 @@
           <a:p>
             <a:fld id="{2DCBD7F6-55E2-42E0-A29B-00EE06C6C13E}" type="datetimeFigureOut">
               <a:rPr lang="en-US" smtClean="0"/>
-              <a:t>09/10/2024</a:t>
+              <a:t>10/10/2024</a:t>
             </a:fld>
             <a:endParaRPr lang="en-US"/>
           </a:p>
@@ -2092,7 +2092,7 @@
           <a:p>
             <a:fld id="{2DCBD7F6-55E2-42E0-A29B-00EE06C6C13E}" type="datetimeFigureOut">
               <a:rPr lang="en-US" smtClean="0"/>
-              <a:t>09/10/2024</a:t>
+              <a:t>10/10/2024</a:t>
             </a:fld>
             <a:endParaRPr lang="en-US"/>
           </a:p>
@@ -2403,7 +2403,7 @@
           <a:p>
             <a:fld id="{2DCBD7F6-55E2-42E0-A29B-00EE06C6C13E}" type="datetimeFigureOut">
               <a:rPr lang="en-US" smtClean="0"/>
-              <a:t>09/10/2024</a:t>
+              <a:t>10/10/2024</a:t>
             </a:fld>
             <a:endParaRPr lang="en-US"/>
           </a:p>
@@ -2691,7 +2691,7 @@
           <a:p>
             <a:fld id="{2DCBD7F6-55E2-42E0-A29B-00EE06C6C13E}" type="datetimeFigureOut">
               <a:rPr lang="en-US" smtClean="0"/>
-              <a:t>09/10/2024</a:t>
+              <a:t>10/10/2024</a:t>
             </a:fld>
             <a:endParaRPr lang="en-US"/>
           </a:p>
@@ -2932,7 +2932,7 @@
           <a:p>
             <a:fld id="{2DCBD7F6-55E2-42E0-A29B-00EE06C6C13E}" type="datetimeFigureOut">
               <a:rPr lang="en-US" smtClean="0"/>
-              <a:t>09/10/2024</a:t>
+              <a:t>10/10/2024</a:t>
             </a:fld>
             <a:endParaRPr lang="en-US"/>
           </a:p>
@@ -3734,12 +3734,28 @@
             <p:ph idx="1"/>
           </p:nvPr>
         </p:nvSpPr>
-        <p:spPr/>
-        <p:txBody>
-          <a:bodyPr/>
-          <a:lstStyle/>
-          <a:p>
-            <a:endParaRPr lang="en-US"/>
+        <p:spPr>
+          <a:xfrm>
+            <a:off x="539496" y="1825625"/>
+            <a:ext cx="10814304" cy="4667250"/>
+          </a:xfrm>
+        </p:spPr>
+        <p:txBody>
+          <a:bodyPr/>
+          <a:lstStyle/>
+          <a:p>
+            <a:r>
+              <a:rPr lang="en-US"/>
+              <a:t>Phân quyền thành công ng</a:t>
+            </a:r>
+            <a:r>
+              <a:rPr lang="vi-VN"/>
+              <a:t>ư</a:t>
+            </a:r>
+            <a:r>
+              <a:rPr lang="en-US"/>
+              <a:t>ời dùng.</a:t>
+            </a:r>
           </a:p>
         </p:txBody>
       </p:sp>
@@ -3789,12 +3805,20 @@
             <p:ph type="title"/>
           </p:nvPr>
         </p:nvSpPr>
-        <p:spPr/>
-        <p:txBody>
-          <a:bodyPr/>
-          <a:lstStyle/>
-          <a:p>
-            <a:endParaRPr lang="en-US"/>
+        <p:spPr>
+          <a:xfrm>
+            <a:off x="838200" y="365125"/>
+            <a:ext cx="10515600" cy="997331"/>
+          </a:xfrm>
+        </p:spPr>
+        <p:txBody>
+          <a:bodyPr/>
+          <a:lstStyle/>
+          <a:p>
+            <a:r>
+              <a:rPr lang="en-US"/>
+              <a:t>Takagi bị lỗi, phải làm lại Takagi.</a:t>
+            </a:r>
           </a:p>
         </p:txBody>
       </p:sp>
@@ -3814,12 +3838,20 @@
             <p:ph idx="1"/>
           </p:nvPr>
         </p:nvSpPr>
-        <p:spPr/>
-        <p:txBody>
-          <a:bodyPr/>
-          <a:lstStyle/>
-          <a:p>
-            <a:endParaRPr lang="en-US"/>
+        <p:spPr>
+          <a:xfrm>
+            <a:off x="0" y="1536192"/>
+            <a:ext cx="12192000" cy="5321808"/>
+          </a:xfrm>
+        </p:spPr>
+        <p:txBody>
+          <a:bodyPr/>
+          <a:lstStyle/>
+          <a:p>
+            <a:r>
+              <a:rPr lang="en-US"/>
+              <a:t>Quản lý cửa hàng thì không thêm mới đc thành viên.</a:t>
+            </a:r>
           </a:p>
         </p:txBody>
       </p:sp>
@@ -6074,12 +6106,14 @@
         </p:nvSpPr>
         <p:spPr>
           <a:xfrm>
-            <a:off x="168676" y="169080"/>
-            <a:ext cx="8442664" cy="781235"/>
-          </a:xfrm>
-        </p:spPr>
-        <p:txBody>
-          <a:bodyPr/>
+            <a:off x="150922" y="145837"/>
+            <a:ext cx="7679184" cy="628074"/>
+          </a:xfrm>
+        </p:spPr>
+        <p:txBody>
+          <a:bodyPr>
+            <a:normAutofit fontScale="90000"/>
+          </a:bodyPr>
           <a:lstStyle/>
           <a:p>
             <a:r>
@@ -6107,14 +6141,17 @@
         </p:nvSpPr>
         <p:spPr>
           <a:xfrm>
-            <a:off x="305540" y="1286120"/>
-            <a:ext cx="10515600" cy="660123"/>
-          </a:xfrm>
-        </p:spPr>
-        <p:txBody>
-          <a:bodyPr/>
-          <a:lstStyle/>
-          <a:p>
+            <a:off x="150923" y="1153963"/>
+            <a:ext cx="8123066" cy="539987"/>
+          </a:xfrm>
+        </p:spPr>
+        <p:txBody>
+          <a:bodyPr/>
+          <a:lstStyle/>
+          <a:p>
+            <a:pPr marL="0" indent="0">
+              <a:buNone/>
+            </a:pPr>
             <a:r>
               <a:rPr lang="en-US"/>
               <a:t>https://www.youtube.com/watch?v=mRq83vqzoWE</a:t>
@@ -6144,7 +6181,7 @@
         </p:blipFill>
         <p:spPr>
           <a:xfrm>
-            <a:off x="1252947" y="2226843"/>
+            <a:off x="329669" y="2315169"/>
             <a:ext cx="5106113" cy="857370"/>
           </a:xfrm>
           <a:prstGeom prst="rect">
@@ -6204,7 +6241,7 @@
         </p:blipFill>
         <p:spPr>
           <a:xfrm>
-            <a:off x="4734573" y="2516970"/>
+            <a:off x="5123525" y="2660291"/>
             <a:ext cx="6611273" cy="847843"/>
           </a:xfrm>
           <a:prstGeom prst="rect">
@@ -6212,6 +6249,41 @@
           </a:prstGeom>
         </p:spPr>
       </p:pic>
+      <p:sp>
+        <p:nvSpPr>
+          <p:cNvPr id="7" name="TextBox 6">
+            <a:extLst>
+              <a:ext uri="{FF2B5EF4-FFF2-40B4-BE49-F238E27FC236}">
+                <a16:creationId xmlns:a16="http://schemas.microsoft.com/office/drawing/2014/main" id="{8F80C178-6ABC-49DA-8E92-752E241B75E0}"/>
+              </a:ext>
+            </a:extLst>
+          </p:cNvPr>
+          <p:cNvSpPr txBox="1"/>
+          <p:nvPr/>
+        </p:nvSpPr>
+        <p:spPr>
+          <a:xfrm>
+            <a:off x="8078680" y="275208"/>
+            <a:ext cx="3053917" cy="369332"/>
+          </a:xfrm>
+          <a:prstGeom prst="rect">
+            <a:avLst/>
+          </a:prstGeom>
+          <a:noFill/>
+        </p:spPr>
+        <p:txBody>
+          <a:bodyPr wrap="square" rtlCol="0">
+            <a:spAutoFit/>
+          </a:bodyPr>
+          <a:lstStyle/>
+          <a:p>
+            <a:r>
+              <a:rPr lang="en-US"/>
+              <a:t>Sử dụng Plugin MemberShipt</a:t>
+            </a:r>
+          </a:p>
+        </p:txBody>
+      </p:sp>
     </p:spTree>
     <p:extLst>
       <p:ext uri="{BB962C8B-B14F-4D97-AF65-F5344CB8AC3E}">
